--- a/Session 1 - CMake and Building CXX.pptx
+++ b/Session 1 - CMake and Building CXX.pptx
@@ -22,7 +22,24 @@
     <p:sldId id="282" r:id="rId16"/>
     <p:sldId id="259" r:id="rId17"/>
     <p:sldId id="291" r:id="rId18"/>
-    <p:sldId id="290" r:id="rId19"/>
+    <p:sldId id="293" r:id="rId19"/>
+    <p:sldId id="294" r:id="rId20"/>
+    <p:sldId id="290" r:id="rId21"/>
+    <p:sldId id="292" r:id="rId22"/>
+    <p:sldId id="299" r:id="rId23"/>
+    <p:sldId id="296" r:id="rId24"/>
+    <p:sldId id="298" r:id="rId25"/>
+    <p:sldId id="295" r:id="rId26"/>
+    <p:sldId id="300" r:id="rId27"/>
+    <p:sldId id="297" r:id="rId28"/>
+    <p:sldId id="301" r:id="rId29"/>
+    <p:sldId id="302" r:id="rId30"/>
+    <p:sldId id="303" r:id="rId31"/>
+    <p:sldId id="304" r:id="rId32"/>
+    <p:sldId id="305" r:id="rId33"/>
+    <p:sldId id="306" r:id="rId34"/>
+    <p:sldId id="307" r:id="rId35"/>
+    <p:sldId id="308" r:id="rId36"/>
   </p:sldIdLst>
   <p:sldSz cx="12192000" cy="6858000"/>
   <p:notesSz cx="6858000" cy="9144000"/>
@@ -5817,7 +5834,7 @@
               <a:rPr lang="en-US" dirty="0">
                 <a:solidFill>
                   <a:schemeClr val="tx1">
-                    <a:lumMod val="50000"/>
+                    <a:lumMod val="75000"/>
                   </a:schemeClr>
                 </a:solidFill>
               </a:rPr>
@@ -8439,11 +8456,7 @@
           <a:p>
             <a:r>
               <a:rPr lang="en-US" dirty="0"/>
-              <a:t>My </a:t>
-            </a:r>
-            <a:r>
-              <a:rPr lang="en-US"/>
-              <a:t>First CMakeLists.txt</a:t>
+              <a:t>My First CMakeLists.txt</a:t>
             </a:r>
           </a:p>
         </p:txBody>
@@ -8483,7 +8496,7 @@
           <p:cNvPr id="2" name="Title 1">
             <a:extLst>
               <a:ext uri="{FF2B5EF4-FFF2-40B4-BE49-F238E27FC236}">
-                <a16:creationId xmlns:a16="http://schemas.microsoft.com/office/drawing/2014/main" id="{288EBAB8-A4F1-498D-9ECE-37A110BAF30D}"/>
+                <a16:creationId xmlns:a16="http://schemas.microsoft.com/office/drawing/2014/main" id="{1F831B95-1A49-48BD-BC25-809F3DF22B38}"/>
               </a:ext>
             </a:extLst>
           </p:cNvPr>
@@ -8499,7 +8512,10 @@
           <a:bodyPr/>
           <a:lstStyle/>
           <a:p>
-            <a:endParaRPr lang="en-US"/>
+            <a:r>
+              <a:rPr lang="en-US" dirty="0"/>
+              <a:t>Why use CMake?</a:t>
+            </a:r>
           </a:p>
         </p:txBody>
       </p:sp>
@@ -8508,7 +8524,7 @@
           <p:cNvPr id="3" name="Content Placeholder 2">
             <a:extLst>
               <a:ext uri="{FF2B5EF4-FFF2-40B4-BE49-F238E27FC236}">
-                <a16:creationId xmlns:a16="http://schemas.microsoft.com/office/drawing/2014/main" id="{3CFA3C84-76BC-434D-A070-1B153DF02EDD}"/>
+                <a16:creationId xmlns:a16="http://schemas.microsoft.com/office/drawing/2014/main" id="{65BB9476-2E22-4355-B831-6A879A1A86F6}"/>
               </a:ext>
             </a:extLst>
           </p:cNvPr>
@@ -8519,19 +8535,262 @@
             <p:ph idx="1"/>
           </p:nvPr>
         </p:nvSpPr>
-        <p:spPr/>
+        <p:spPr>
+          <a:xfrm>
+            <a:off x="685801" y="1799113"/>
+            <a:ext cx="10874828" cy="4732316"/>
+          </a:xfrm>
+        </p:spPr>
         <p:txBody>
           <a:bodyPr/>
           <a:lstStyle/>
           <a:p>
-            <a:endParaRPr lang="en-US"/>
+            <a:r>
+              <a:rPr lang="en-US" dirty="0"/>
+              <a:t>There are many build systems available.  Why am I teaching CMake?</a:t>
+            </a:r>
+          </a:p>
+          <a:p>
+            <a:r>
+              <a:rPr lang="en-US" i="1" dirty="0"/>
+              <a:t>Cross-platform.</a:t>
+            </a:r>
+            <a:r>
+              <a:rPr lang="en-US" dirty="0"/>
+              <a:t> Generates </a:t>
+            </a:r>
+            <a:r>
+              <a:rPr lang="en-US" dirty="0" err="1"/>
+              <a:t>buildfiles</a:t>
+            </a:r>
+            <a:r>
+              <a:rPr lang="en-US" dirty="0"/>
+              <a:t> for multiple different build tools on all major platforms</a:t>
+            </a:r>
+          </a:p>
+          <a:p>
+            <a:r>
+              <a:rPr lang="en-US" i="1" dirty="0"/>
+              <a:t>Convenient for developers</a:t>
+            </a:r>
+            <a:r>
+              <a:rPr lang="en-US" dirty="0"/>
+              <a:t>.  CMake projects can be loaded into may different IDEs, such as </a:t>
+            </a:r>
+            <a:r>
+              <a:rPr lang="en-US" dirty="0" err="1"/>
+              <a:t>Clion</a:t>
+            </a:r>
+            <a:r>
+              <a:rPr lang="en-US" dirty="0"/>
+              <a:t>, </a:t>
+            </a:r>
+            <a:r>
+              <a:rPr lang="en-US" dirty="0" err="1"/>
+              <a:t>Xcode</a:t>
+            </a:r>
+            <a:r>
+              <a:rPr lang="en-US" dirty="0"/>
+              <a:t>, Visual Studio, and VS Code.</a:t>
+            </a:r>
+          </a:p>
+          <a:p>
+            <a:r>
+              <a:rPr lang="en-US" i="1" dirty="0"/>
+              <a:t>Capable</a:t>
+            </a:r>
+            <a:r>
+              <a:rPr lang="en-US" dirty="0"/>
+              <a:t>.  Can use custom functions and scripts to complete almost any arbitrarily complicated build task.  Can do just about anything that you can do with </a:t>
+            </a:r>
+            <a:r>
+              <a:rPr lang="en-US" dirty="0" err="1"/>
+              <a:t>Makefiles</a:t>
+            </a:r>
+            <a:r>
+              <a:rPr lang="en-US" dirty="0"/>
+              <a:t>, unlike many other build systems that are more restrictive.</a:t>
+            </a:r>
+          </a:p>
+          <a:p>
+            <a:r>
+              <a:rPr lang="en-US" i="1" dirty="0"/>
+              <a:t>Broad community support</a:t>
+            </a:r>
+            <a:r>
+              <a:rPr lang="en-US" dirty="0"/>
+              <a:t>.  Currently the single most popular build system for up-to-date C++ projects.  Lots of help and useful libraries available on the Internet.  Prewritten modules for loading many libraries.</a:t>
+            </a:r>
           </a:p>
         </p:txBody>
       </p:sp>
     </p:spTree>
     <p:extLst>
       <p:ext uri="{BB962C8B-B14F-4D97-AF65-F5344CB8AC3E}">
-        <p14:creationId xmlns:p14="http://schemas.microsoft.com/office/powerpoint/2010/main" val="3576421810"/>
+        <p14:creationId xmlns:p14="http://schemas.microsoft.com/office/powerpoint/2010/main" val="2645566460"/>
+      </p:ext>
+    </p:extLst>
+  </p:cSld>
+  <p:clrMapOvr>
+    <a:masterClrMapping/>
+  </p:clrMapOvr>
+</p:sld>
+</file>
+
+<file path=ppt/slides/slide19.xml><?xml version="1.0" encoding="utf-8"?>
+<p:sld xmlns:a="http://schemas.openxmlformats.org/drawingml/2006/main" xmlns:r="http://schemas.openxmlformats.org/officeDocument/2006/relationships" xmlns:p="http://schemas.openxmlformats.org/presentationml/2006/main">
+  <p:cSld>
+    <p:spTree>
+      <p:nvGrpSpPr>
+        <p:cNvPr id="1" name=""/>
+        <p:cNvGrpSpPr/>
+        <p:nvPr/>
+      </p:nvGrpSpPr>
+      <p:grpSpPr>
+        <a:xfrm>
+          <a:off x="0" y="0"/>
+          <a:ext cx="0" cy="0"/>
+          <a:chOff x="0" y="0"/>
+          <a:chExt cx="0" cy="0"/>
+        </a:xfrm>
+      </p:grpSpPr>
+      <p:sp>
+        <p:nvSpPr>
+          <p:cNvPr id="2" name="Title 1">
+            <a:extLst>
+              <a:ext uri="{FF2B5EF4-FFF2-40B4-BE49-F238E27FC236}">
+                <a16:creationId xmlns:a16="http://schemas.microsoft.com/office/drawing/2014/main" id="{964EACD4-8075-4048-B325-FF0A3DF35870}"/>
+              </a:ext>
+            </a:extLst>
+          </p:cNvPr>
+          <p:cNvSpPr>
+            <a:spLocks noGrp="1"/>
+          </p:cNvSpPr>
+          <p:nvPr>
+            <p:ph type="title"/>
+          </p:nvPr>
+        </p:nvSpPr>
+        <p:spPr/>
+        <p:txBody>
+          <a:bodyPr/>
+          <a:lstStyle/>
+          <a:p>
+            <a:r>
+              <a:rPr lang="en-US" dirty="0"/>
+              <a:t>Why not use CMake?</a:t>
+            </a:r>
+          </a:p>
+        </p:txBody>
+      </p:sp>
+      <p:sp>
+        <p:nvSpPr>
+          <p:cNvPr id="3" name="Content Placeholder 2">
+            <a:extLst>
+              <a:ext uri="{FF2B5EF4-FFF2-40B4-BE49-F238E27FC236}">
+                <a16:creationId xmlns:a16="http://schemas.microsoft.com/office/drawing/2014/main" id="{C6A4380B-37D2-4C08-AC81-B62DBF0EFF95}"/>
+              </a:ext>
+            </a:extLst>
+          </p:cNvPr>
+          <p:cNvSpPr>
+            <a:spLocks noGrp="1"/>
+          </p:cNvSpPr>
+          <p:nvPr>
+            <p:ph idx="1"/>
+          </p:nvPr>
+        </p:nvSpPr>
+        <p:spPr>
+          <a:xfrm>
+            <a:off x="685801" y="1436914"/>
+            <a:ext cx="11100459" cy="5106389"/>
+          </a:xfrm>
+        </p:spPr>
+        <p:txBody>
+          <a:bodyPr>
+            <a:normAutofit lnSpcReduction="10000"/>
+          </a:bodyPr>
+          <a:lstStyle/>
+          <a:p>
+            <a:r>
+              <a:rPr lang="en-US" dirty="0"/>
+              <a:t>Sadly, there are some CMake haters out there.  Haters </a:t>
+            </a:r>
+            <a:r>
+              <a:rPr lang="en-US" dirty="0" err="1"/>
+              <a:t>gonna</a:t>
+            </a:r>
+            <a:r>
+              <a:rPr lang="en-US" dirty="0"/>
+              <a:t> hate, but they do have some valid points to keep in mind.</a:t>
+            </a:r>
+          </a:p>
+          <a:p>
+            <a:r>
+              <a:rPr lang="en-US" i="1" dirty="0"/>
+              <a:t>The syntax is weird</a:t>
+            </a:r>
+            <a:r>
+              <a:rPr lang="en-US" dirty="0"/>
+              <a:t>.  </a:t>
+            </a:r>
+            <a:r>
+              <a:rPr lang="en-US" dirty="0" err="1"/>
+              <a:t>CMake’s</a:t>
+            </a:r>
+            <a:r>
+              <a:rPr lang="en-US" dirty="0"/>
+              <a:t> syntax is somewhat similar to bash scripts, but is also its own thing.  Escaping special characters is often a big issue.</a:t>
+            </a:r>
+          </a:p>
+          <a:p>
+            <a:r>
+              <a:rPr lang="en-US" i="1" dirty="0"/>
+              <a:t>Lots of history</a:t>
+            </a:r>
+            <a:r>
+              <a:rPr lang="en-US" dirty="0"/>
+              <a:t>.  Often the CMake developers deprecated an old way of doing something and introduced a new way.  Many projects are still using the old ways.</a:t>
+            </a:r>
+          </a:p>
+          <a:p>
+            <a:r>
+              <a:rPr lang="en-US" i="1" dirty="0"/>
+              <a:t>Ugly</a:t>
+            </a:r>
+            <a:r>
+              <a:rPr lang="en-US" dirty="0"/>
+              <a:t>.  CMake code to do simple things can sometimes be verbose, hard to maintain, and bloated, especially if older functions are used.</a:t>
+            </a:r>
+          </a:p>
+          <a:p>
+            <a:pPr lvl="1"/>
+            <a:r>
+              <a:rPr lang="en-US" dirty="0"/>
+              <a:t>Can be prevented with modern coding practices.</a:t>
+            </a:r>
+          </a:p>
+          <a:p>
+            <a:r>
+              <a:rPr lang="en-US" i="1" dirty="0"/>
+              <a:t>Esoteric</a:t>
+            </a:r>
+            <a:r>
+              <a:rPr lang="en-US" dirty="0"/>
+              <a:t>.  While common functionality is generally well documented, docs for more advanced topics like find modules, system introspection, and build rules are… spotty.</a:t>
+            </a:r>
+          </a:p>
+          <a:p>
+            <a:pPr lvl="1"/>
+            <a:r>
+              <a:rPr lang="en-US" dirty="0"/>
+              <a:t>Many of these things covered in this course!</a:t>
+            </a:r>
+          </a:p>
+        </p:txBody>
+      </p:sp>
+    </p:spTree>
+    <p:extLst>
+      <p:ext uri="{BB962C8B-B14F-4D97-AF65-F5344CB8AC3E}">
+        <p14:creationId xmlns:p14="http://schemas.microsoft.com/office/powerpoint/2010/main" val="1690171444"/>
       </p:ext>
     </p:extLst>
   </p:cSld>
@@ -8676,6 +8935,2495 @@
 </p:sld>
 </file>
 
+<file path=ppt/slides/slide20.xml><?xml version="1.0" encoding="utf-8"?>
+<p:sld xmlns:a="http://schemas.openxmlformats.org/drawingml/2006/main" xmlns:r="http://schemas.openxmlformats.org/officeDocument/2006/relationships" xmlns:p="http://schemas.openxmlformats.org/presentationml/2006/main">
+  <p:cSld>
+    <p:spTree>
+      <p:nvGrpSpPr>
+        <p:cNvPr id="1" name=""/>
+        <p:cNvGrpSpPr/>
+        <p:nvPr/>
+      </p:nvGrpSpPr>
+      <p:grpSpPr>
+        <a:xfrm>
+          <a:off x="0" y="0"/>
+          <a:ext cx="0" cy="0"/>
+          <a:chOff x="0" y="0"/>
+          <a:chExt cx="0" cy="0"/>
+        </a:xfrm>
+      </p:grpSpPr>
+      <p:sp>
+        <p:nvSpPr>
+          <p:cNvPr id="2" name="Title 1">
+            <a:extLst>
+              <a:ext uri="{FF2B5EF4-FFF2-40B4-BE49-F238E27FC236}">
+                <a16:creationId xmlns:a16="http://schemas.microsoft.com/office/drawing/2014/main" id="{288EBAB8-A4F1-498D-9ECE-37A110BAF30D}"/>
+              </a:ext>
+            </a:extLst>
+          </p:cNvPr>
+          <p:cNvSpPr>
+            <a:spLocks noGrp="1"/>
+          </p:cNvSpPr>
+          <p:nvPr>
+            <p:ph type="title"/>
+          </p:nvPr>
+        </p:nvSpPr>
+        <p:spPr/>
+        <p:txBody>
+          <a:bodyPr/>
+          <a:lstStyle/>
+          <a:p>
+            <a:r>
+              <a:rPr lang="en-US" dirty="0"/>
+              <a:t>What CMake Does</a:t>
+            </a:r>
+          </a:p>
+        </p:txBody>
+      </p:sp>
+      <p:sp>
+        <p:nvSpPr>
+          <p:cNvPr id="3" name="Content Placeholder 2">
+            <a:extLst>
+              <a:ext uri="{FF2B5EF4-FFF2-40B4-BE49-F238E27FC236}">
+                <a16:creationId xmlns:a16="http://schemas.microsoft.com/office/drawing/2014/main" id="{3CFA3C84-76BC-434D-A070-1B153DF02EDD}"/>
+              </a:ext>
+            </a:extLst>
+          </p:cNvPr>
+          <p:cNvSpPr>
+            <a:spLocks noGrp="1"/>
+          </p:cNvSpPr>
+          <p:nvPr>
+            <p:ph idx="1"/>
+          </p:nvPr>
+        </p:nvSpPr>
+        <p:spPr>
+          <a:xfrm>
+            <a:off x="685801" y="1799113"/>
+            <a:ext cx="10750137" cy="1479662"/>
+          </a:xfrm>
+        </p:spPr>
+        <p:txBody>
+          <a:bodyPr>
+            <a:normAutofit fontScale="92500" lnSpcReduction="20000"/>
+          </a:bodyPr>
+          <a:lstStyle/>
+          <a:p>
+            <a:r>
+              <a:rPr lang="en-US" dirty="0"/>
+              <a:t>We are now going to create our very first </a:t>
+            </a:r>
+            <a:r>
+              <a:rPr lang="en-US" dirty="0" err="1"/>
+              <a:t>buildfile</a:t>
+            </a:r>
+            <a:r>
+              <a:rPr lang="en-US" dirty="0"/>
+              <a:t> for </a:t>
+            </a:r>
+            <a:r>
+              <a:rPr lang="en-US" dirty="0" err="1"/>
+              <a:t>test_regression</a:t>
+            </a:r>
+            <a:r>
+              <a:rPr lang="en-US" dirty="0"/>
+              <a:t> with CMake.</a:t>
+            </a:r>
+          </a:p>
+          <a:p>
+            <a:r>
+              <a:rPr lang="en-US" dirty="0"/>
+              <a:t>First, we need to understand how CMake processes this file.</a:t>
+            </a:r>
+          </a:p>
+          <a:p>
+            <a:r>
+              <a:rPr lang="en-US" dirty="0"/>
+              <a:t>CMake is a </a:t>
+            </a:r>
+            <a:r>
+              <a:rPr lang="en-US" i="1" dirty="0"/>
+              <a:t>build system generator</a:t>
+            </a:r>
+            <a:r>
+              <a:rPr lang="en-US" dirty="0"/>
+              <a:t>.  It reads files in its own language and outputs </a:t>
+            </a:r>
+            <a:r>
+              <a:rPr lang="en-US" dirty="0" err="1"/>
+              <a:t>buildfiles</a:t>
+            </a:r>
+            <a:r>
+              <a:rPr lang="en-US" dirty="0"/>
+              <a:t> in one of several other languages.  We will use make for this course.</a:t>
+            </a:r>
+          </a:p>
+        </p:txBody>
+      </p:sp>
+      <p:sp>
+        <p:nvSpPr>
+          <p:cNvPr id="4" name="Rectangle: Top Corners Snipped 3">
+            <a:extLst>
+              <a:ext uri="{FF2B5EF4-FFF2-40B4-BE49-F238E27FC236}">
+                <a16:creationId xmlns:a16="http://schemas.microsoft.com/office/drawing/2014/main" id="{DD71CA88-0826-4B82-964C-A4D835FCD685}"/>
+              </a:ext>
+            </a:extLst>
+          </p:cNvPr>
+          <p:cNvSpPr/>
+          <p:nvPr/>
+        </p:nvSpPr>
+        <p:spPr>
+          <a:xfrm>
+            <a:off x="3988132" y="4252553"/>
+            <a:ext cx="1262745" cy="879565"/>
+          </a:xfrm>
+          <a:prstGeom prst="snip2SameRect">
+            <a:avLst>
+              <a:gd name="adj1" fmla="val 37135"/>
+              <a:gd name="adj2" fmla="val 0"/>
+            </a:avLst>
+          </a:prstGeom>
+        </p:spPr>
+        <p:style>
+          <a:lnRef idx="2">
+            <a:schemeClr val="accent1">
+              <a:shade val="50000"/>
+            </a:schemeClr>
+          </a:lnRef>
+          <a:fillRef idx="1">
+            <a:schemeClr val="accent1"/>
+          </a:fillRef>
+          <a:effectRef idx="0">
+            <a:schemeClr val="accent1"/>
+          </a:effectRef>
+          <a:fontRef idx="minor">
+            <a:schemeClr val="lt1"/>
+          </a:fontRef>
+        </p:style>
+        <p:txBody>
+          <a:bodyPr rtlCol="0" anchor="ctr"/>
+          <a:lstStyle/>
+          <a:p>
+            <a:pPr algn="ctr"/>
+            <a:r>
+              <a:rPr lang="en-US" dirty="0" err="1">
+                <a:solidFill>
+                  <a:schemeClr val="bg1"/>
+                </a:solidFill>
+                <a:latin typeface="Consolas" panose="020B0609020204030204" pitchFamily="49" charset="0"/>
+              </a:rPr>
+              <a:t>cmake</a:t>
+            </a:r>
+            <a:endParaRPr lang="en-US" dirty="0">
+              <a:solidFill>
+                <a:schemeClr val="bg1"/>
+              </a:solidFill>
+              <a:latin typeface="Consolas" panose="020B0609020204030204" pitchFamily="49" charset="0"/>
+            </a:endParaRPr>
+          </a:p>
+        </p:txBody>
+      </p:sp>
+      <p:sp>
+        <p:nvSpPr>
+          <p:cNvPr id="5" name="Oval 4">
+            <a:extLst>
+              <a:ext uri="{FF2B5EF4-FFF2-40B4-BE49-F238E27FC236}">
+                <a16:creationId xmlns:a16="http://schemas.microsoft.com/office/drawing/2014/main" id="{D273EF88-E0D2-4745-9B96-EE5DB48A0740}"/>
+              </a:ext>
+            </a:extLst>
+          </p:cNvPr>
+          <p:cNvSpPr/>
+          <p:nvPr/>
+        </p:nvSpPr>
+        <p:spPr>
+          <a:xfrm>
+            <a:off x="492430" y="3807228"/>
+            <a:ext cx="2821578" cy="740229"/>
+          </a:xfrm>
+          <a:prstGeom prst="ellipse">
+            <a:avLst/>
+          </a:prstGeom>
+          <a:solidFill>
+            <a:schemeClr val="accent2">
+              <a:lumMod val="60000"/>
+              <a:lumOff val="40000"/>
+            </a:schemeClr>
+          </a:solidFill>
+        </p:spPr>
+        <p:style>
+          <a:lnRef idx="2">
+            <a:schemeClr val="accent1">
+              <a:shade val="50000"/>
+            </a:schemeClr>
+          </a:lnRef>
+          <a:fillRef idx="1">
+            <a:schemeClr val="accent1"/>
+          </a:fillRef>
+          <a:effectRef idx="0">
+            <a:schemeClr val="accent1"/>
+          </a:effectRef>
+          <a:fontRef idx="minor">
+            <a:schemeClr val="lt1"/>
+          </a:fontRef>
+        </p:style>
+        <p:txBody>
+          <a:bodyPr rtlCol="0" anchor="ctr"/>
+          <a:lstStyle/>
+          <a:p>
+            <a:pPr algn="ctr"/>
+            <a:r>
+              <a:rPr lang="en-US" sz="1200" dirty="0">
+                <a:solidFill>
+                  <a:schemeClr val="bg1"/>
+                </a:solidFill>
+                <a:latin typeface="Consolas" panose="020B0609020204030204" pitchFamily="49" charset="0"/>
+              </a:rPr>
+              <a:t>CMakeLists.txt</a:t>
+            </a:r>
+          </a:p>
+          <a:p>
+            <a:pPr algn="ctr"/>
+            <a:r>
+              <a:rPr lang="en-US" sz="1200" dirty="0">
+                <a:solidFill>
+                  <a:schemeClr val="bg1"/>
+                </a:solidFill>
+                <a:latin typeface="Consolas" panose="020B0609020204030204" pitchFamily="49" charset="0"/>
+              </a:rPr>
+              <a:t>(in each directory)</a:t>
+            </a:r>
+          </a:p>
+        </p:txBody>
+      </p:sp>
+      <p:cxnSp>
+        <p:nvCxnSpPr>
+          <p:cNvPr id="6" name="Straight Arrow Connector 5">
+            <a:extLst>
+              <a:ext uri="{FF2B5EF4-FFF2-40B4-BE49-F238E27FC236}">
+                <a16:creationId xmlns:a16="http://schemas.microsoft.com/office/drawing/2014/main" id="{31E5F4CC-8B62-4C19-848F-93A26596531C}"/>
+              </a:ext>
+            </a:extLst>
+          </p:cNvPr>
+          <p:cNvCxnSpPr>
+            <a:cxnSpLocks/>
+            <a:stCxn id="5" idx="6"/>
+            <a:endCxn id="4" idx="2"/>
+          </p:cNvCxnSpPr>
+          <p:nvPr/>
+        </p:nvCxnSpPr>
+        <p:spPr>
+          <a:xfrm>
+            <a:off x="3314008" y="4177343"/>
+            <a:ext cx="674124" cy="514993"/>
+          </a:xfrm>
+          <a:prstGeom prst="straightConnector1">
+            <a:avLst/>
+          </a:prstGeom>
+          <a:ln w="76200">
+            <a:solidFill>
+              <a:schemeClr val="tx1">
+                <a:lumMod val="85000"/>
+                <a:lumOff val="15000"/>
+              </a:schemeClr>
+            </a:solidFill>
+            <a:tailEnd type="triangle"/>
+          </a:ln>
+        </p:spPr>
+        <p:style>
+          <a:lnRef idx="1">
+            <a:schemeClr val="accent1"/>
+          </a:lnRef>
+          <a:fillRef idx="0">
+            <a:schemeClr val="accent1"/>
+          </a:fillRef>
+          <a:effectRef idx="0">
+            <a:schemeClr val="accent1"/>
+          </a:effectRef>
+          <a:fontRef idx="minor">
+            <a:schemeClr val="tx1"/>
+          </a:fontRef>
+        </p:style>
+      </p:cxnSp>
+      <p:sp>
+        <p:nvSpPr>
+          <p:cNvPr id="7" name="Oval 6">
+            <a:extLst>
+              <a:ext uri="{FF2B5EF4-FFF2-40B4-BE49-F238E27FC236}">
+                <a16:creationId xmlns:a16="http://schemas.microsoft.com/office/drawing/2014/main" id="{902C49C8-B68C-4213-8066-5AA31AF51B38}"/>
+              </a:ext>
+            </a:extLst>
+          </p:cNvPr>
+          <p:cNvSpPr/>
+          <p:nvPr/>
+        </p:nvSpPr>
+        <p:spPr>
+          <a:xfrm>
+            <a:off x="6054442" y="4322220"/>
+            <a:ext cx="2525480" cy="740229"/>
+          </a:xfrm>
+          <a:prstGeom prst="ellipse">
+            <a:avLst/>
+          </a:prstGeom>
+          <a:solidFill>
+            <a:schemeClr val="accent6">
+              <a:lumMod val="40000"/>
+              <a:lumOff val="60000"/>
+            </a:schemeClr>
+          </a:solidFill>
+        </p:spPr>
+        <p:style>
+          <a:lnRef idx="2">
+            <a:schemeClr val="accent1">
+              <a:shade val="50000"/>
+            </a:schemeClr>
+          </a:lnRef>
+          <a:fillRef idx="1">
+            <a:schemeClr val="accent1"/>
+          </a:fillRef>
+          <a:effectRef idx="0">
+            <a:schemeClr val="accent1"/>
+          </a:effectRef>
+          <a:fontRef idx="minor">
+            <a:schemeClr val="lt1"/>
+          </a:fontRef>
+        </p:style>
+        <p:txBody>
+          <a:bodyPr rtlCol="0" anchor="ctr"/>
+          <a:lstStyle/>
+          <a:p>
+            <a:pPr algn="ctr"/>
+            <a:r>
+              <a:rPr lang="en-US" sz="1200" dirty="0" err="1">
+                <a:solidFill>
+                  <a:schemeClr val="bg1"/>
+                </a:solidFill>
+                <a:latin typeface="Consolas" panose="020B0609020204030204" pitchFamily="49" charset="0"/>
+              </a:rPr>
+              <a:t>Makefile</a:t>
+            </a:r>
+            <a:br>
+              <a:rPr lang="en-US" sz="1200" dirty="0">
+                <a:solidFill>
+                  <a:schemeClr val="bg1"/>
+                </a:solidFill>
+                <a:latin typeface="Consolas" panose="020B0609020204030204" pitchFamily="49" charset="0"/>
+              </a:rPr>
+            </a:br>
+            <a:r>
+              <a:rPr lang="en-US" sz="1200" dirty="0">
+                <a:solidFill>
+                  <a:schemeClr val="bg1"/>
+                </a:solidFill>
+                <a:latin typeface="Consolas" panose="020B0609020204030204" pitchFamily="49" charset="0"/>
+              </a:rPr>
+              <a:t>(in each directory)</a:t>
+            </a:r>
+          </a:p>
+        </p:txBody>
+      </p:sp>
+      <p:cxnSp>
+        <p:nvCxnSpPr>
+          <p:cNvPr id="8" name="Straight Arrow Connector 7">
+            <a:extLst>
+              <a:ext uri="{FF2B5EF4-FFF2-40B4-BE49-F238E27FC236}">
+                <a16:creationId xmlns:a16="http://schemas.microsoft.com/office/drawing/2014/main" id="{A22D9B9D-E5B0-4086-9050-EB5A4D56B036}"/>
+              </a:ext>
+            </a:extLst>
+          </p:cNvPr>
+          <p:cNvCxnSpPr>
+            <a:cxnSpLocks/>
+            <a:stCxn id="4" idx="0"/>
+            <a:endCxn id="7" idx="2"/>
+          </p:cNvCxnSpPr>
+          <p:nvPr/>
+        </p:nvCxnSpPr>
+        <p:spPr>
+          <a:xfrm flipV="1">
+            <a:off x="5250877" y="4692335"/>
+            <a:ext cx="803565" cy="1"/>
+          </a:xfrm>
+          <a:prstGeom prst="straightConnector1">
+            <a:avLst/>
+          </a:prstGeom>
+          <a:ln w="76200">
+            <a:solidFill>
+              <a:schemeClr val="tx1">
+                <a:lumMod val="85000"/>
+                <a:lumOff val="15000"/>
+              </a:schemeClr>
+            </a:solidFill>
+            <a:tailEnd type="triangle"/>
+          </a:ln>
+        </p:spPr>
+        <p:style>
+          <a:lnRef idx="1">
+            <a:schemeClr val="accent1"/>
+          </a:lnRef>
+          <a:fillRef idx="0">
+            <a:schemeClr val="accent1"/>
+          </a:fillRef>
+          <a:effectRef idx="0">
+            <a:schemeClr val="accent1"/>
+          </a:effectRef>
+          <a:fontRef idx="minor">
+            <a:schemeClr val="tx1"/>
+          </a:fontRef>
+        </p:style>
+      </p:cxnSp>
+      <p:sp>
+        <p:nvSpPr>
+          <p:cNvPr id="9" name="Oval 8">
+            <a:extLst>
+              <a:ext uri="{FF2B5EF4-FFF2-40B4-BE49-F238E27FC236}">
+                <a16:creationId xmlns:a16="http://schemas.microsoft.com/office/drawing/2014/main" id="{55BFC5B5-384B-4124-9DFA-25D717D6E8FF}"/>
+              </a:ext>
+            </a:extLst>
+          </p:cNvPr>
+          <p:cNvSpPr/>
+          <p:nvPr/>
+        </p:nvSpPr>
+        <p:spPr>
+          <a:xfrm>
+            <a:off x="492430" y="5220787"/>
+            <a:ext cx="2821578" cy="740229"/>
+          </a:xfrm>
+          <a:prstGeom prst="ellipse">
+            <a:avLst/>
+          </a:prstGeom>
+          <a:solidFill>
+            <a:schemeClr val="accent2">
+              <a:lumMod val="60000"/>
+              <a:lumOff val="40000"/>
+            </a:schemeClr>
+          </a:solidFill>
+        </p:spPr>
+        <p:style>
+          <a:lnRef idx="2">
+            <a:schemeClr val="accent1">
+              <a:shade val="50000"/>
+            </a:schemeClr>
+          </a:lnRef>
+          <a:fillRef idx="1">
+            <a:schemeClr val="accent1"/>
+          </a:fillRef>
+          <a:effectRef idx="0">
+            <a:schemeClr val="accent1"/>
+          </a:effectRef>
+          <a:fontRef idx="minor">
+            <a:schemeClr val="lt1"/>
+          </a:fontRef>
+        </p:style>
+        <p:txBody>
+          <a:bodyPr rtlCol="0" anchor="ctr"/>
+          <a:lstStyle/>
+          <a:p>
+            <a:pPr algn="ctr"/>
+            <a:r>
+              <a:rPr lang="en-US" sz="1200" dirty="0">
+                <a:solidFill>
+                  <a:schemeClr val="bg1"/>
+                </a:solidFill>
+                <a:latin typeface="Consolas" panose="020B0609020204030204" pitchFamily="49" charset="0"/>
+              </a:rPr>
+              <a:t>Other CMake modules (included)</a:t>
+            </a:r>
+          </a:p>
+        </p:txBody>
+      </p:sp>
+      <p:cxnSp>
+        <p:nvCxnSpPr>
+          <p:cNvPr id="10" name="Straight Arrow Connector 9">
+            <a:extLst>
+              <a:ext uri="{FF2B5EF4-FFF2-40B4-BE49-F238E27FC236}">
+                <a16:creationId xmlns:a16="http://schemas.microsoft.com/office/drawing/2014/main" id="{4C4E8538-194E-401C-8A8A-4AA6429DEE9B}"/>
+              </a:ext>
+            </a:extLst>
+          </p:cNvPr>
+          <p:cNvCxnSpPr>
+            <a:cxnSpLocks/>
+            <a:stCxn id="5" idx="4"/>
+            <a:endCxn id="9" idx="0"/>
+          </p:cNvCxnSpPr>
+          <p:nvPr/>
+        </p:nvCxnSpPr>
+        <p:spPr>
+          <a:xfrm>
+            <a:off x="1903219" y="4547457"/>
+            <a:ext cx="0" cy="673330"/>
+          </a:xfrm>
+          <a:prstGeom prst="straightConnector1">
+            <a:avLst/>
+          </a:prstGeom>
+          <a:ln w="28575">
+            <a:tailEnd type="triangle"/>
+          </a:ln>
+        </p:spPr>
+        <p:style>
+          <a:lnRef idx="1">
+            <a:schemeClr val="accent1"/>
+          </a:lnRef>
+          <a:fillRef idx="0">
+            <a:schemeClr val="accent1"/>
+          </a:fillRef>
+          <a:effectRef idx="0">
+            <a:schemeClr val="accent1"/>
+          </a:effectRef>
+          <a:fontRef idx="minor">
+            <a:schemeClr val="tx1"/>
+          </a:fontRef>
+        </p:style>
+      </p:cxnSp>
+      <p:sp>
+        <p:nvSpPr>
+          <p:cNvPr id="18" name="Rectangle: Top Corners Snipped 17">
+            <a:extLst>
+              <a:ext uri="{FF2B5EF4-FFF2-40B4-BE49-F238E27FC236}">
+                <a16:creationId xmlns:a16="http://schemas.microsoft.com/office/drawing/2014/main" id="{1A02B534-8601-4EA5-A315-B90AC2ADE6FB}"/>
+              </a:ext>
+            </a:extLst>
+          </p:cNvPr>
+          <p:cNvSpPr/>
+          <p:nvPr/>
+        </p:nvSpPr>
+        <p:spPr>
+          <a:xfrm>
+            <a:off x="9383487" y="4252553"/>
+            <a:ext cx="1262745" cy="879565"/>
+          </a:xfrm>
+          <a:prstGeom prst="snip2SameRect">
+            <a:avLst>
+              <a:gd name="adj1" fmla="val 37135"/>
+              <a:gd name="adj2" fmla="val 0"/>
+            </a:avLst>
+          </a:prstGeom>
+        </p:spPr>
+        <p:style>
+          <a:lnRef idx="2">
+            <a:schemeClr val="accent1">
+              <a:shade val="50000"/>
+            </a:schemeClr>
+          </a:lnRef>
+          <a:fillRef idx="1">
+            <a:schemeClr val="accent1"/>
+          </a:fillRef>
+          <a:effectRef idx="0">
+            <a:schemeClr val="accent1"/>
+          </a:effectRef>
+          <a:fontRef idx="minor">
+            <a:schemeClr val="lt1"/>
+          </a:fontRef>
+        </p:style>
+        <p:txBody>
+          <a:bodyPr rtlCol="0" anchor="ctr"/>
+          <a:lstStyle/>
+          <a:p>
+            <a:pPr algn="ctr"/>
+            <a:r>
+              <a:rPr lang="en-US" dirty="0">
+                <a:solidFill>
+                  <a:schemeClr val="bg1"/>
+                </a:solidFill>
+                <a:latin typeface="Consolas" panose="020B0609020204030204" pitchFamily="49" charset="0"/>
+              </a:rPr>
+              <a:t>make</a:t>
+            </a:r>
+          </a:p>
+        </p:txBody>
+      </p:sp>
+      <p:cxnSp>
+        <p:nvCxnSpPr>
+          <p:cNvPr id="19" name="Straight Arrow Connector 18">
+            <a:extLst>
+              <a:ext uri="{FF2B5EF4-FFF2-40B4-BE49-F238E27FC236}">
+                <a16:creationId xmlns:a16="http://schemas.microsoft.com/office/drawing/2014/main" id="{EBB15F55-DAEF-4C06-9AD2-95C97040C4E2}"/>
+              </a:ext>
+            </a:extLst>
+          </p:cNvPr>
+          <p:cNvCxnSpPr>
+            <a:cxnSpLocks/>
+            <a:stCxn id="7" idx="6"/>
+            <a:endCxn id="18" idx="2"/>
+          </p:cNvCxnSpPr>
+          <p:nvPr/>
+        </p:nvCxnSpPr>
+        <p:spPr>
+          <a:xfrm>
+            <a:off x="8579922" y="4692335"/>
+            <a:ext cx="803565" cy="1"/>
+          </a:xfrm>
+          <a:prstGeom prst="straightConnector1">
+            <a:avLst/>
+          </a:prstGeom>
+          <a:ln w="76200">
+            <a:solidFill>
+              <a:schemeClr val="tx1">
+                <a:lumMod val="85000"/>
+                <a:lumOff val="15000"/>
+              </a:schemeClr>
+            </a:solidFill>
+            <a:tailEnd type="triangle"/>
+          </a:ln>
+        </p:spPr>
+        <p:style>
+          <a:lnRef idx="1">
+            <a:schemeClr val="accent1"/>
+          </a:lnRef>
+          <a:fillRef idx="0">
+            <a:schemeClr val="accent1"/>
+          </a:fillRef>
+          <a:effectRef idx="0">
+            <a:schemeClr val="accent1"/>
+          </a:effectRef>
+          <a:fontRef idx="minor">
+            <a:schemeClr val="tx1"/>
+          </a:fontRef>
+        </p:style>
+      </p:cxnSp>
+    </p:spTree>
+    <p:extLst>
+      <p:ext uri="{BB962C8B-B14F-4D97-AF65-F5344CB8AC3E}">
+        <p14:creationId xmlns:p14="http://schemas.microsoft.com/office/powerpoint/2010/main" val="3576421810"/>
+      </p:ext>
+    </p:extLst>
+  </p:cSld>
+  <p:clrMapOvr>
+    <a:masterClrMapping/>
+  </p:clrMapOvr>
+</p:sld>
+</file>
+
+<file path=ppt/slides/slide21.xml><?xml version="1.0" encoding="utf-8"?>
+<p:sld xmlns:a="http://schemas.openxmlformats.org/drawingml/2006/main" xmlns:r="http://schemas.openxmlformats.org/officeDocument/2006/relationships" xmlns:p="http://schemas.openxmlformats.org/presentationml/2006/main">
+  <p:cSld>
+    <p:spTree>
+      <p:nvGrpSpPr>
+        <p:cNvPr id="1" name=""/>
+        <p:cNvGrpSpPr/>
+        <p:nvPr/>
+      </p:nvGrpSpPr>
+      <p:grpSpPr>
+        <a:xfrm>
+          <a:off x="0" y="0"/>
+          <a:ext cx="0" cy="0"/>
+          <a:chOff x="0" y="0"/>
+          <a:chExt cx="0" cy="0"/>
+        </a:xfrm>
+      </p:grpSpPr>
+      <p:sp>
+        <p:nvSpPr>
+          <p:cNvPr id="2" name="Title 1">
+            <a:extLst>
+              <a:ext uri="{FF2B5EF4-FFF2-40B4-BE49-F238E27FC236}">
+                <a16:creationId xmlns:a16="http://schemas.microsoft.com/office/drawing/2014/main" id="{F180CC66-73D9-435A-A29B-BE955B710E15}"/>
+              </a:ext>
+            </a:extLst>
+          </p:cNvPr>
+          <p:cNvSpPr>
+            <a:spLocks noGrp="1"/>
+          </p:cNvSpPr>
+          <p:nvPr>
+            <p:ph type="title"/>
+          </p:nvPr>
+        </p:nvSpPr>
+        <p:spPr/>
+        <p:txBody>
+          <a:bodyPr/>
+          <a:lstStyle/>
+          <a:p>
+            <a:r>
+              <a:rPr lang="en-US" dirty="0"/>
+              <a:t>Functions of CMakeLists.txt</a:t>
+            </a:r>
+          </a:p>
+        </p:txBody>
+      </p:sp>
+      <p:sp>
+        <p:nvSpPr>
+          <p:cNvPr id="3" name="Content Placeholder 2">
+            <a:extLst>
+              <a:ext uri="{FF2B5EF4-FFF2-40B4-BE49-F238E27FC236}">
+                <a16:creationId xmlns:a16="http://schemas.microsoft.com/office/drawing/2014/main" id="{A949A646-EB69-4A4D-8E65-22852607D084}"/>
+              </a:ext>
+            </a:extLst>
+          </p:cNvPr>
+          <p:cNvSpPr>
+            <a:spLocks noGrp="1"/>
+          </p:cNvSpPr>
+          <p:nvPr>
+            <p:ph idx="1"/>
+          </p:nvPr>
+        </p:nvSpPr>
+        <p:spPr>
+          <a:xfrm>
+            <a:off x="685801" y="1799113"/>
+            <a:ext cx="10131425" cy="4797630"/>
+          </a:xfrm>
+        </p:spPr>
+        <p:txBody>
+          <a:bodyPr/>
+          <a:lstStyle/>
+          <a:p>
+            <a:r>
+              <a:rPr lang="en-US" dirty="0"/>
+              <a:t>The top-level </a:t>
+            </a:r>
+            <a:r>
+              <a:rPr lang="en-US" dirty="0" err="1"/>
+              <a:t>buildfile</a:t>
+            </a:r>
+            <a:r>
+              <a:rPr lang="en-US" dirty="0"/>
+              <a:t> performs some important tasks:</a:t>
+            </a:r>
+          </a:p>
+          <a:p>
+            <a:pPr lvl="1"/>
+            <a:r>
+              <a:rPr lang="en-US" dirty="0"/>
+              <a:t>Initializing CMake (this session)</a:t>
+            </a:r>
+          </a:p>
+          <a:p>
+            <a:pPr lvl="1"/>
+            <a:r>
+              <a:rPr lang="en-US" dirty="0"/>
+              <a:t>Setting compilation options (this session)</a:t>
+            </a:r>
+          </a:p>
+          <a:p>
+            <a:pPr lvl="1"/>
+            <a:r>
+              <a:rPr lang="en-US" dirty="0"/>
+              <a:t>Inspecting the system and finding libraries (session 3)</a:t>
+            </a:r>
+          </a:p>
+          <a:p>
+            <a:r>
+              <a:rPr lang="en-US" dirty="0"/>
+              <a:t>The </a:t>
+            </a:r>
+            <a:r>
+              <a:rPr lang="en-US" dirty="0" err="1"/>
+              <a:t>buildfiles</a:t>
+            </a:r>
+            <a:r>
+              <a:rPr lang="en-US" dirty="0"/>
+              <a:t> in each directory take care of building the code there:</a:t>
+            </a:r>
+          </a:p>
+          <a:p>
+            <a:pPr lvl="1"/>
+            <a:r>
+              <a:rPr lang="en-US" dirty="0"/>
+              <a:t>Setting local compile options (session 2)</a:t>
+            </a:r>
+          </a:p>
+          <a:p>
+            <a:pPr lvl="1"/>
+            <a:r>
+              <a:rPr lang="en-US" dirty="0"/>
+              <a:t>Building code into various targets (this session)</a:t>
+            </a:r>
+          </a:p>
+          <a:p>
+            <a:pPr lvl="1"/>
+            <a:r>
+              <a:rPr lang="en-US" dirty="0"/>
+              <a:t>Linking targets to the libraries they depend on (sessions 2 and 3)</a:t>
+            </a:r>
+          </a:p>
+          <a:p>
+            <a:r>
+              <a:rPr lang="en-US" dirty="0"/>
+              <a:t>This is just an overview! We will go into each of these in detail</a:t>
+            </a:r>
+          </a:p>
+          <a:p>
+            <a:pPr lvl="1"/>
+            <a:endParaRPr lang="en-US" dirty="0"/>
+          </a:p>
+          <a:p>
+            <a:pPr lvl="1"/>
+            <a:endParaRPr lang="en-US" dirty="0"/>
+          </a:p>
+        </p:txBody>
+      </p:sp>
+    </p:spTree>
+    <p:extLst>
+      <p:ext uri="{BB962C8B-B14F-4D97-AF65-F5344CB8AC3E}">
+        <p14:creationId xmlns:p14="http://schemas.microsoft.com/office/powerpoint/2010/main" val="1053363007"/>
+      </p:ext>
+    </p:extLst>
+  </p:cSld>
+  <p:clrMapOvr>
+    <a:masterClrMapping/>
+  </p:clrMapOvr>
+</p:sld>
+</file>
+
+<file path=ppt/slides/slide22.xml><?xml version="1.0" encoding="utf-8"?>
+<p:sld xmlns:a="http://schemas.openxmlformats.org/drawingml/2006/main" xmlns:r="http://schemas.openxmlformats.org/officeDocument/2006/relationships" xmlns:p="http://schemas.openxmlformats.org/presentationml/2006/main">
+  <p:cSld>
+    <p:spTree>
+      <p:nvGrpSpPr>
+        <p:cNvPr id="1" name=""/>
+        <p:cNvGrpSpPr/>
+        <p:nvPr/>
+      </p:nvGrpSpPr>
+      <p:grpSpPr>
+        <a:xfrm>
+          <a:off x="0" y="0"/>
+          <a:ext cx="0" cy="0"/>
+          <a:chOff x="0" y="0"/>
+          <a:chExt cx="0" cy="0"/>
+        </a:xfrm>
+      </p:grpSpPr>
+      <p:sp>
+        <p:nvSpPr>
+          <p:cNvPr id="2" name="Title 1">
+            <a:extLst>
+              <a:ext uri="{FF2B5EF4-FFF2-40B4-BE49-F238E27FC236}">
+                <a16:creationId xmlns:a16="http://schemas.microsoft.com/office/drawing/2014/main" id="{3A682BC1-B252-46F1-B7C6-176F6D447D39}"/>
+              </a:ext>
+            </a:extLst>
+          </p:cNvPr>
+          <p:cNvSpPr>
+            <a:spLocks noGrp="1"/>
+          </p:cNvSpPr>
+          <p:nvPr>
+            <p:ph type="title"/>
+          </p:nvPr>
+        </p:nvSpPr>
+        <p:spPr/>
+        <p:txBody>
+          <a:bodyPr/>
+          <a:lstStyle/>
+          <a:p>
+            <a:r>
+              <a:rPr lang="en-US" dirty="0"/>
+              <a:t>CMake Syntax</a:t>
+            </a:r>
+          </a:p>
+        </p:txBody>
+      </p:sp>
+      <p:sp>
+        <p:nvSpPr>
+          <p:cNvPr id="6" name="Content Placeholder 5">
+            <a:extLst>
+              <a:ext uri="{FF2B5EF4-FFF2-40B4-BE49-F238E27FC236}">
+                <a16:creationId xmlns:a16="http://schemas.microsoft.com/office/drawing/2014/main" id="{03B26299-4F2F-4A79-9847-E8032179539A}"/>
+              </a:ext>
+            </a:extLst>
+          </p:cNvPr>
+          <p:cNvSpPr>
+            <a:spLocks noGrp="1"/>
+          </p:cNvSpPr>
+          <p:nvPr>
+            <p:ph idx="1"/>
+          </p:nvPr>
+        </p:nvSpPr>
+        <p:spPr>
+          <a:xfrm>
+            <a:off x="433449" y="1799113"/>
+            <a:ext cx="6062353" cy="4613562"/>
+          </a:xfrm>
+        </p:spPr>
+        <p:txBody>
+          <a:bodyPr>
+            <a:normAutofit fontScale="92500"/>
+          </a:bodyPr>
+          <a:lstStyle/>
+          <a:p>
+            <a:r>
+              <a:rPr lang="en-US" dirty="0"/>
+              <a:t>There’s a lot to go over!</a:t>
+            </a:r>
+          </a:p>
+          <a:p>
+            <a:r>
+              <a:rPr lang="en-US" dirty="0"/>
+              <a:t>For now we will start with the basics.</a:t>
+            </a:r>
+          </a:p>
+          <a:p>
+            <a:r>
+              <a:rPr lang="en-US" dirty="0"/>
+              <a:t>Each line contains one command.</a:t>
+            </a:r>
+          </a:p>
+          <a:p>
+            <a:r>
+              <a:rPr lang="en-US" dirty="0"/>
+              <a:t>Command calls continue across lines until the next closing parenthesis</a:t>
+            </a:r>
+          </a:p>
+          <a:p>
+            <a:r>
+              <a:rPr lang="en-US" dirty="0"/>
+              <a:t>Variables can be evaluated like “${VAR}”</a:t>
+            </a:r>
+          </a:p>
+          <a:p>
+            <a:r>
+              <a:rPr lang="en-US" dirty="0"/>
+              <a:t>Whitespace around commands is not significant, but it is used to separate command arguments</a:t>
+            </a:r>
+          </a:p>
+          <a:p>
+            <a:r>
+              <a:rPr lang="en-US" dirty="0"/>
+              <a:t>All command arguments are string literals.  Quotes used when literals contain whitespace.</a:t>
+            </a:r>
+          </a:p>
+        </p:txBody>
+      </p:sp>
+      <p:pic>
+        <p:nvPicPr>
+          <p:cNvPr id="7" name="Picture 6">
+            <a:extLst>
+              <a:ext uri="{FF2B5EF4-FFF2-40B4-BE49-F238E27FC236}">
+                <a16:creationId xmlns:a16="http://schemas.microsoft.com/office/drawing/2014/main" id="{2E9FCD08-19B0-40C5-ADE1-17DB024AD976}"/>
+              </a:ext>
+            </a:extLst>
+          </p:cNvPr>
+          <p:cNvPicPr>
+            <a:picLocks noChangeAspect="1"/>
+          </p:cNvPicPr>
+          <p:nvPr/>
+        </p:nvPicPr>
+        <p:blipFill>
+          <a:blip r:embed="rId2"/>
+          <a:stretch>
+            <a:fillRect/>
+          </a:stretch>
+        </p:blipFill>
+        <p:spPr>
+          <a:xfrm>
+            <a:off x="6924484" y="276101"/>
+            <a:ext cx="4990879" cy="6305798"/>
+          </a:xfrm>
+          <a:prstGeom prst="rect">
+            <a:avLst/>
+          </a:prstGeom>
+        </p:spPr>
+      </p:pic>
+      <p:sp>
+        <p:nvSpPr>
+          <p:cNvPr id="8" name="TextBox 7">
+            <a:extLst>
+              <a:ext uri="{FF2B5EF4-FFF2-40B4-BE49-F238E27FC236}">
+                <a16:creationId xmlns:a16="http://schemas.microsoft.com/office/drawing/2014/main" id="{3A888151-EE27-421F-A021-D707B83C55B9}"/>
+              </a:ext>
+            </a:extLst>
+          </p:cNvPr>
+          <p:cNvSpPr txBox="1"/>
+          <p:nvPr/>
+        </p:nvSpPr>
+        <p:spPr>
+          <a:xfrm>
+            <a:off x="4435433" y="424935"/>
+            <a:ext cx="2333502" cy="369332"/>
+          </a:xfrm>
+          <a:prstGeom prst="rect">
+            <a:avLst/>
+          </a:prstGeom>
+          <a:noFill/>
+        </p:spPr>
+        <p:txBody>
+          <a:bodyPr wrap="square" rtlCol="0">
+            <a:spAutoFit/>
+          </a:bodyPr>
+          <a:lstStyle/>
+          <a:p>
+            <a:r>
+              <a:rPr lang="en-US" dirty="0"/>
+              <a:t>A random example -&gt;</a:t>
+            </a:r>
+          </a:p>
+        </p:txBody>
+      </p:sp>
+    </p:spTree>
+    <p:extLst>
+      <p:ext uri="{BB962C8B-B14F-4D97-AF65-F5344CB8AC3E}">
+        <p14:creationId xmlns:p14="http://schemas.microsoft.com/office/powerpoint/2010/main" val="1428182829"/>
+      </p:ext>
+    </p:extLst>
+  </p:cSld>
+  <p:clrMapOvr>
+    <a:masterClrMapping/>
+  </p:clrMapOvr>
+</p:sld>
+</file>
+
+<file path=ppt/slides/slide23.xml><?xml version="1.0" encoding="utf-8"?>
+<p:sld xmlns:a="http://schemas.openxmlformats.org/drawingml/2006/main" xmlns:r="http://schemas.openxmlformats.org/officeDocument/2006/relationships" xmlns:p="http://schemas.openxmlformats.org/presentationml/2006/main">
+  <p:cSld>
+    <p:spTree>
+      <p:nvGrpSpPr>
+        <p:cNvPr id="1" name=""/>
+        <p:cNvGrpSpPr/>
+        <p:nvPr/>
+      </p:nvGrpSpPr>
+      <p:grpSpPr>
+        <a:xfrm>
+          <a:off x="0" y="0"/>
+          <a:ext cx="0" cy="0"/>
+          <a:chOff x="0" y="0"/>
+          <a:chExt cx="0" cy="0"/>
+        </a:xfrm>
+      </p:grpSpPr>
+      <p:sp>
+        <p:nvSpPr>
+          <p:cNvPr id="2" name="Title 1">
+            <a:extLst>
+              <a:ext uri="{FF2B5EF4-FFF2-40B4-BE49-F238E27FC236}">
+                <a16:creationId xmlns:a16="http://schemas.microsoft.com/office/drawing/2014/main" id="{70B00839-E8DC-4D4F-8A6F-ACFBDE648A8A}"/>
+              </a:ext>
+            </a:extLst>
+          </p:cNvPr>
+          <p:cNvSpPr>
+            <a:spLocks noGrp="1"/>
+          </p:cNvSpPr>
+          <p:nvPr>
+            <p:ph type="title"/>
+          </p:nvPr>
+        </p:nvSpPr>
+        <p:spPr>
+          <a:xfrm>
+            <a:off x="673926" y="276101"/>
+            <a:ext cx="10131425" cy="940130"/>
+          </a:xfrm>
+        </p:spPr>
+        <p:txBody>
+          <a:bodyPr/>
+          <a:lstStyle/>
+          <a:p>
+            <a:r>
+              <a:rPr lang="en-US" dirty="0"/>
+              <a:t>CMake Variables</a:t>
+            </a:r>
+          </a:p>
+        </p:txBody>
+      </p:sp>
+      <p:sp>
+        <p:nvSpPr>
+          <p:cNvPr id="3" name="Content Placeholder 2">
+            <a:extLst>
+              <a:ext uri="{FF2B5EF4-FFF2-40B4-BE49-F238E27FC236}">
+                <a16:creationId xmlns:a16="http://schemas.microsoft.com/office/drawing/2014/main" id="{82F1597F-2C59-4447-A28B-EE91F9FA523C}"/>
+              </a:ext>
+            </a:extLst>
+          </p:cNvPr>
+          <p:cNvSpPr>
+            <a:spLocks noGrp="1"/>
+          </p:cNvSpPr>
+          <p:nvPr>
+            <p:ph idx="1"/>
+          </p:nvPr>
+        </p:nvSpPr>
+        <p:spPr>
+          <a:xfrm>
+            <a:off x="457201" y="1306286"/>
+            <a:ext cx="6121730" cy="5130140"/>
+          </a:xfrm>
+        </p:spPr>
+        <p:txBody>
+          <a:bodyPr>
+            <a:normAutofit fontScale="92500" lnSpcReduction="10000"/>
+          </a:bodyPr>
+          <a:lstStyle/>
+          <a:p>
+            <a:r>
+              <a:rPr lang="en-US" dirty="0"/>
+              <a:t>All data is strings</a:t>
+            </a:r>
+          </a:p>
+          <a:p>
+            <a:r>
+              <a:rPr lang="en-US" dirty="0"/>
+              <a:t>Lists stored as strings separated by semicolons</a:t>
+            </a:r>
+          </a:p>
+          <a:p>
+            <a:pPr lvl="1"/>
+            <a:r>
+              <a:rPr lang="en-US" dirty="0"/>
+              <a:t>God forbid if you need to have semicolons in a string!</a:t>
+            </a:r>
+          </a:p>
+          <a:p>
+            <a:r>
+              <a:rPr lang="en-US" dirty="0"/>
+              <a:t>Data is converted from strings to other types, e.g. Boolean and integer, where needed</a:t>
+            </a:r>
+          </a:p>
+          <a:p>
+            <a:r>
+              <a:rPr lang="en-US" dirty="0"/>
+              <a:t>set() command used to assign a value to a variable</a:t>
+            </a:r>
+          </a:p>
+          <a:p>
+            <a:pPr lvl="1"/>
+            <a:r>
+              <a:rPr lang="en-US" dirty="0"/>
+              <a:t>Multiple arguments passed to set() are converted into a list</a:t>
+            </a:r>
+          </a:p>
+          <a:p>
+            <a:r>
+              <a:rPr lang="en-US" dirty="0"/>
+              <a:t>By convention, variable names are all caps.  Some people like to use lowercase variables for local variables.</a:t>
+            </a:r>
+          </a:p>
+        </p:txBody>
+      </p:sp>
+      <p:pic>
+        <p:nvPicPr>
+          <p:cNvPr id="4" name="Picture 3">
+            <a:extLst>
+              <a:ext uri="{FF2B5EF4-FFF2-40B4-BE49-F238E27FC236}">
+                <a16:creationId xmlns:a16="http://schemas.microsoft.com/office/drawing/2014/main" id="{68EA5028-5451-4F30-A50E-1DCD832B2705}"/>
+              </a:ext>
+            </a:extLst>
+          </p:cNvPr>
+          <p:cNvPicPr>
+            <a:picLocks noChangeAspect="1"/>
+          </p:cNvPicPr>
+          <p:nvPr/>
+        </p:nvPicPr>
+        <p:blipFill>
+          <a:blip r:embed="rId2"/>
+          <a:stretch>
+            <a:fillRect/>
+          </a:stretch>
+        </p:blipFill>
+        <p:spPr>
+          <a:xfrm>
+            <a:off x="6924484" y="276101"/>
+            <a:ext cx="4990879" cy="6305798"/>
+          </a:xfrm>
+          <a:prstGeom prst="rect">
+            <a:avLst/>
+          </a:prstGeom>
+        </p:spPr>
+      </p:pic>
+    </p:spTree>
+    <p:extLst>
+      <p:ext uri="{BB962C8B-B14F-4D97-AF65-F5344CB8AC3E}">
+        <p14:creationId xmlns:p14="http://schemas.microsoft.com/office/powerpoint/2010/main" val="1580239113"/>
+      </p:ext>
+    </p:extLst>
+  </p:cSld>
+  <p:clrMapOvr>
+    <a:masterClrMapping/>
+  </p:clrMapOvr>
+</p:sld>
+</file>
+
+<file path=ppt/slides/slide24.xml><?xml version="1.0" encoding="utf-8"?>
+<p:sld xmlns:a="http://schemas.openxmlformats.org/drawingml/2006/main" xmlns:r="http://schemas.openxmlformats.org/officeDocument/2006/relationships" xmlns:p="http://schemas.openxmlformats.org/presentationml/2006/main">
+  <p:cSld>
+    <p:spTree>
+      <p:nvGrpSpPr>
+        <p:cNvPr id="1" name=""/>
+        <p:cNvGrpSpPr/>
+        <p:nvPr/>
+      </p:nvGrpSpPr>
+      <p:grpSpPr>
+        <a:xfrm>
+          <a:off x="0" y="0"/>
+          <a:ext cx="0" cy="0"/>
+          <a:chOff x="0" y="0"/>
+          <a:chExt cx="0" cy="0"/>
+        </a:xfrm>
+      </p:grpSpPr>
+      <p:sp>
+        <p:nvSpPr>
+          <p:cNvPr id="2" name="Title 1">
+            <a:extLst>
+              <a:ext uri="{FF2B5EF4-FFF2-40B4-BE49-F238E27FC236}">
+                <a16:creationId xmlns:a16="http://schemas.microsoft.com/office/drawing/2014/main" id="{A4095584-A144-40BA-807E-438CC8ABD71E}"/>
+              </a:ext>
+            </a:extLst>
+          </p:cNvPr>
+          <p:cNvSpPr>
+            <a:spLocks noGrp="1"/>
+          </p:cNvSpPr>
+          <p:nvPr>
+            <p:ph type="title"/>
+          </p:nvPr>
+        </p:nvSpPr>
+        <p:spPr>
+          <a:xfrm>
+            <a:off x="656113" y="276101"/>
+            <a:ext cx="10131425" cy="940130"/>
+          </a:xfrm>
+        </p:spPr>
+        <p:txBody>
+          <a:bodyPr/>
+          <a:lstStyle/>
+          <a:p>
+            <a:r>
+              <a:rPr lang="en-US" dirty="0"/>
+              <a:t>CMake Commands</a:t>
+            </a:r>
+          </a:p>
+        </p:txBody>
+      </p:sp>
+      <p:sp>
+        <p:nvSpPr>
+          <p:cNvPr id="3" name="Content Placeholder 2">
+            <a:extLst>
+              <a:ext uri="{FF2B5EF4-FFF2-40B4-BE49-F238E27FC236}">
+                <a16:creationId xmlns:a16="http://schemas.microsoft.com/office/drawing/2014/main" id="{B89015B7-3167-4D4B-9B90-D9568F2EFCA7}"/>
+              </a:ext>
+            </a:extLst>
+          </p:cNvPr>
+          <p:cNvSpPr>
+            <a:spLocks noGrp="1"/>
+          </p:cNvSpPr>
+          <p:nvPr>
+            <p:ph idx="1"/>
+          </p:nvPr>
+        </p:nvSpPr>
+        <p:spPr>
+          <a:xfrm>
+            <a:off x="368135" y="1448790"/>
+            <a:ext cx="6406739" cy="5231080"/>
+          </a:xfrm>
+        </p:spPr>
+        <p:txBody>
+          <a:bodyPr>
+            <a:normAutofit fontScale="92500" lnSpcReduction="10000"/>
+          </a:bodyPr>
+          <a:lstStyle/>
+          <a:p>
+            <a:r>
+              <a:rPr lang="en-US" dirty="0"/>
+              <a:t>Two different types of commands, keyword arguments and positional.</a:t>
+            </a:r>
+          </a:p>
+          <a:p>
+            <a:r>
+              <a:rPr lang="en-US" dirty="0"/>
+              <a:t>Keyword arguments: Use specific all-caps keywords to separate arguments.</a:t>
+            </a:r>
+          </a:p>
+          <a:p>
+            <a:pPr lvl="1"/>
+            <a:r>
+              <a:rPr lang="en-US" dirty="0"/>
+              <a:t>Keywords can take no arguments, one argument, or a list.</a:t>
+            </a:r>
+          </a:p>
+          <a:p>
+            <a:r>
+              <a:rPr lang="en-US" dirty="0"/>
+              <a:t>Positional arguments: Specific arguments are passed in a specific order without keywords</a:t>
+            </a:r>
+          </a:p>
+          <a:p>
+            <a:r>
+              <a:rPr lang="en-US" i="1" dirty="0"/>
+              <a:t>Look at documentation!</a:t>
+            </a:r>
+            <a:r>
+              <a:rPr lang="en-US" dirty="0"/>
+              <a:t>  Arguments are hard to remember but docs are generally very helpful.</a:t>
+            </a:r>
+          </a:p>
+          <a:p>
+            <a:r>
+              <a:rPr lang="en-US" dirty="0"/>
+              <a:t>Unlike variables, function names are not case-sensitive.  Lowercase by convention.</a:t>
+            </a:r>
+          </a:p>
+          <a:p>
+            <a:r>
+              <a:rPr lang="en-US" dirty="0"/>
+              <a:t>It is possible to write your own custom functions, we will go into that later.</a:t>
+            </a:r>
+          </a:p>
+          <a:p>
+            <a:endParaRPr lang="en-US" dirty="0"/>
+          </a:p>
+        </p:txBody>
+      </p:sp>
+      <p:pic>
+        <p:nvPicPr>
+          <p:cNvPr id="4" name="Picture 3">
+            <a:extLst>
+              <a:ext uri="{FF2B5EF4-FFF2-40B4-BE49-F238E27FC236}">
+                <a16:creationId xmlns:a16="http://schemas.microsoft.com/office/drawing/2014/main" id="{467E56C4-511A-4357-8DC5-256617CC1AE5}"/>
+              </a:ext>
+            </a:extLst>
+          </p:cNvPr>
+          <p:cNvPicPr>
+            <a:picLocks noChangeAspect="1"/>
+          </p:cNvPicPr>
+          <p:nvPr/>
+        </p:nvPicPr>
+        <p:blipFill>
+          <a:blip r:embed="rId2"/>
+          <a:stretch>
+            <a:fillRect/>
+          </a:stretch>
+        </p:blipFill>
+        <p:spPr>
+          <a:xfrm>
+            <a:off x="6924484" y="276101"/>
+            <a:ext cx="4990879" cy="6305798"/>
+          </a:xfrm>
+          <a:prstGeom prst="rect">
+            <a:avLst/>
+          </a:prstGeom>
+        </p:spPr>
+      </p:pic>
+    </p:spTree>
+    <p:extLst>
+      <p:ext uri="{BB962C8B-B14F-4D97-AF65-F5344CB8AC3E}">
+        <p14:creationId xmlns:p14="http://schemas.microsoft.com/office/powerpoint/2010/main" val="299804879"/>
+      </p:ext>
+    </p:extLst>
+  </p:cSld>
+  <p:clrMapOvr>
+    <a:masterClrMapping/>
+  </p:clrMapOvr>
+</p:sld>
+</file>
+
+<file path=ppt/slides/slide25.xml><?xml version="1.0" encoding="utf-8"?>
+<p:sld xmlns:a="http://schemas.openxmlformats.org/drawingml/2006/main" xmlns:r="http://schemas.openxmlformats.org/officeDocument/2006/relationships" xmlns:p="http://schemas.openxmlformats.org/presentationml/2006/main">
+  <p:cSld>
+    <p:spTree>
+      <p:nvGrpSpPr>
+        <p:cNvPr id="1" name=""/>
+        <p:cNvGrpSpPr/>
+        <p:nvPr/>
+      </p:nvGrpSpPr>
+      <p:grpSpPr>
+        <a:xfrm>
+          <a:off x="0" y="0"/>
+          <a:ext cx="0" cy="0"/>
+          <a:chOff x="0" y="0"/>
+          <a:chExt cx="0" cy="0"/>
+        </a:xfrm>
+      </p:grpSpPr>
+      <p:sp>
+        <p:nvSpPr>
+          <p:cNvPr id="2" name="Title 1">
+            <a:extLst>
+              <a:ext uri="{FF2B5EF4-FFF2-40B4-BE49-F238E27FC236}">
+                <a16:creationId xmlns:a16="http://schemas.microsoft.com/office/drawing/2014/main" id="{69852AE9-76EF-4D00-8509-0E17EC9C3BCB}"/>
+              </a:ext>
+            </a:extLst>
+          </p:cNvPr>
+          <p:cNvSpPr>
+            <a:spLocks noGrp="1"/>
+          </p:cNvSpPr>
+          <p:nvPr>
+            <p:ph type="title"/>
+          </p:nvPr>
+        </p:nvSpPr>
+        <p:spPr/>
+        <p:txBody>
+          <a:bodyPr/>
+          <a:lstStyle/>
+          <a:p>
+            <a:r>
+              <a:rPr lang="en-US" dirty="0"/>
+              <a:t>CMake Directory Structure</a:t>
+            </a:r>
+          </a:p>
+        </p:txBody>
+      </p:sp>
+      <p:sp>
+        <p:nvSpPr>
+          <p:cNvPr id="3" name="Content Placeholder 2">
+            <a:extLst>
+              <a:ext uri="{FF2B5EF4-FFF2-40B4-BE49-F238E27FC236}">
+                <a16:creationId xmlns:a16="http://schemas.microsoft.com/office/drawing/2014/main" id="{D52E676A-5A6A-44EB-B97C-63F35A35F7C7}"/>
+              </a:ext>
+            </a:extLst>
+          </p:cNvPr>
+          <p:cNvSpPr>
+            <a:spLocks noGrp="1"/>
+          </p:cNvSpPr>
+          <p:nvPr>
+            <p:ph idx="1"/>
+          </p:nvPr>
+        </p:nvSpPr>
+        <p:spPr>
+          <a:xfrm>
+            <a:off x="685801" y="1799113"/>
+            <a:ext cx="10131425" cy="4449286"/>
+          </a:xfrm>
+        </p:spPr>
+        <p:txBody>
+          <a:bodyPr>
+            <a:normAutofit/>
+          </a:bodyPr>
+          <a:lstStyle/>
+          <a:p>
+            <a:r>
+              <a:rPr lang="en-US" dirty="0"/>
+              <a:t>Unlike Make, CMake makes it very straightforward to keep your compiled files separate from your source directory</a:t>
+            </a:r>
+          </a:p>
+          <a:p>
+            <a:r>
+              <a:rPr lang="en-US" dirty="0"/>
+              <a:t>Helps keep your Git repositories nice and clean! </a:t>
+            </a:r>
+          </a:p>
+          <a:p>
+            <a:r>
+              <a:rPr lang="en-US" dirty="0"/>
+              <a:t>Three directories to remember:</a:t>
+            </a:r>
+          </a:p>
+          <a:p>
+            <a:pPr lvl="1"/>
+            <a:r>
+              <a:rPr lang="en-US" dirty="0"/>
+              <a:t>Source </a:t>
+            </a:r>
+            <a:r>
+              <a:rPr lang="en-US" dirty="0" err="1"/>
+              <a:t>dir</a:t>
+            </a:r>
+            <a:r>
+              <a:rPr lang="en-US" dirty="0"/>
+              <a:t>: where your source code is</a:t>
+            </a:r>
+          </a:p>
+          <a:p>
+            <a:pPr lvl="1"/>
+            <a:r>
+              <a:rPr lang="en-US" dirty="0"/>
+              <a:t>Binary </a:t>
+            </a:r>
+            <a:r>
+              <a:rPr lang="en-US" dirty="0" err="1"/>
+              <a:t>dir</a:t>
+            </a:r>
+            <a:r>
+              <a:rPr lang="en-US" dirty="0"/>
+              <a:t>: where the binaries are being stored</a:t>
+            </a:r>
+          </a:p>
+          <a:p>
+            <a:pPr lvl="1"/>
+            <a:r>
+              <a:rPr lang="en-US" dirty="0"/>
+              <a:t>Install </a:t>
+            </a:r>
+            <a:r>
+              <a:rPr lang="en-US" dirty="0" err="1"/>
+              <a:t>dir</a:t>
+            </a:r>
+            <a:r>
+              <a:rPr lang="en-US" dirty="0"/>
+              <a:t>: where the binaries will be installed when you run “make install”</a:t>
+            </a:r>
+          </a:p>
+          <a:p>
+            <a:r>
+              <a:rPr lang="en-US" dirty="0"/>
+              <a:t>When running </a:t>
+            </a:r>
+            <a:r>
+              <a:rPr lang="en-US" dirty="0" err="1"/>
+              <a:t>cmake</a:t>
+            </a:r>
+            <a:r>
+              <a:rPr lang="en-US" dirty="0"/>
+              <a:t>, you always run in the binary </a:t>
+            </a:r>
+            <a:r>
+              <a:rPr lang="en-US" dirty="0" err="1"/>
+              <a:t>dir</a:t>
+            </a:r>
+            <a:r>
+              <a:rPr lang="en-US" dirty="0"/>
+              <a:t> and pass CMake the path to the source </a:t>
+            </a:r>
+            <a:r>
+              <a:rPr lang="en-US" dirty="0" err="1"/>
+              <a:t>dir</a:t>
+            </a:r>
+            <a:endParaRPr lang="en-US" dirty="0"/>
+          </a:p>
+        </p:txBody>
+      </p:sp>
+    </p:spTree>
+    <p:extLst>
+      <p:ext uri="{BB962C8B-B14F-4D97-AF65-F5344CB8AC3E}">
+        <p14:creationId xmlns:p14="http://schemas.microsoft.com/office/powerpoint/2010/main" val="2435827770"/>
+      </p:ext>
+    </p:extLst>
+  </p:cSld>
+  <p:clrMapOvr>
+    <a:masterClrMapping/>
+  </p:clrMapOvr>
+</p:sld>
+</file>
+
+<file path=ppt/slides/slide26.xml><?xml version="1.0" encoding="utf-8"?>
+<p:sld xmlns:a="http://schemas.openxmlformats.org/drawingml/2006/main" xmlns:r="http://schemas.openxmlformats.org/officeDocument/2006/relationships" xmlns:p="http://schemas.openxmlformats.org/presentationml/2006/main">
+  <p:cSld>
+    <p:spTree>
+      <p:nvGrpSpPr>
+        <p:cNvPr id="1" name=""/>
+        <p:cNvGrpSpPr/>
+        <p:nvPr/>
+      </p:nvGrpSpPr>
+      <p:grpSpPr>
+        <a:xfrm>
+          <a:off x="0" y="0"/>
+          <a:ext cx="0" cy="0"/>
+          <a:chOff x="0" y="0"/>
+          <a:chExt cx="0" cy="0"/>
+        </a:xfrm>
+      </p:grpSpPr>
+      <p:sp>
+        <p:nvSpPr>
+          <p:cNvPr id="2" name="Title 1">
+            <a:extLst>
+              <a:ext uri="{FF2B5EF4-FFF2-40B4-BE49-F238E27FC236}">
+                <a16:creationId xmlns:a16="http://schemas.microsoft.com/office/drawing/2014/main" id="{CE9D0E6A-D22D-4438-9957-F54AEDEADE68}"/>
+              </a:ext>
+            </a:extLst>
+          </p:cNvPr>
+          <p:cNvSpPr>
+            <a:spLocks noGrp="1"/>
+          </p:cNvSpPr>
+          <p:nvPr>
+            <p:ph type="title"/>
+          </p:nvPr>
+        </p:nvSpPr>
+        <p:spPr>
+          <a:xfrm>
+            <a:off x="614549" y="66452"/>
+            <a:ext cx="10131425" cy="940130"/>
+          </a:xfrm>
+        </p:spPr>
+        <p:txBody>
+          <a:bodyPr/>
+          <a:lstStyle/>
+          <a:p>
+            <a:r>
+              <a:rPr lang="en-US" dirty="0"/>
+              <a:t>Directory Variables</a:t>
+            </a:r>
+          </a:p>
+        </p:txBody>
+      </p:sp>
+      <p:sp>
+        <p:nvSpPr>
+          <p:cNvPr id="3" name="Content Placeholder 2">
+            <a:extLst>
+              <a:ext uri="{FF2B5EF4-FFF2-40B4-BE49-F238E27FC236}">
+                <a16:creationId xmlns:a16="http://schemas.microsoft.com/office/drawing/2014/main" id="{6F9F2573-986B-4231-83B3-2F9983A0B27C}"/>
+              </a:ext>
+            </a:extLst>
+          </p:cNvPr>
+          <p:cNvSpPr>
+            <a:spLocks noGrp="1"/>
+          </p:cNvSpPr>
+          <p:nvPr>
+            <p:ph idx="1"/>
+          </p:nvPr>
+        </p:nvSpPr>
+        <p:spPr>
+          <a:xfrm>
+            <a:off x="614549" y="801585"/>
+            <a:ext cx="10131425" cy="587827"/>
+          </a:xfrm>
+        </p:spPr>
+        <p:txBody>
+          <a:bodyPr>
+            <a:normAutofit/>
+          </a:bodyPr>
+          <a:lstStyle/>
+          <a:p>
+            <a:pPr marL="0" indent="0">
+              <a:buNone/>
+            </a:pPr>
+            <a:r>
+              <a:rPr lang="en-US" dirty="0"/>
+              <a:t>These directories are accessed via special predefined variables</a:t>
+            </a:r>
+          </a:p>
+        </p:txBody>
+      </p:sp>
+      <p:graphicFrame>
+        <p:nvGraphicFramePr>
+          <p:cNvPr id="4" name="Table 4">
+            <a:extLst>
+              <a:ext uri="{FF2B5EF4-FFF2-40B4-BE49-F238E27FC236}">
+                <a16:creationId xmlns:a16="http://schemas.microsoft.com/office/drawing/2014/main" id="{5B9864C4-2CCA-4E7C-A8BB-6623E0369FBF}"/>
+              </a:ext>
+            </a:extLst>
+          </p:cNvPr>
+          <p:cNvGraphicFramePr>
+            <a:graphicFrameLocks noGrp="1"/>
+          </p:cNvGraphicFramePr>
+          <p:nvPr>
+            <p:extLst>
+              <p:ext uri="{D42A27DB-BD31-4B8C-83A1-F6EECF244321}">
+                <p14:modId xmlns:p14="http://schemas.microsoft.com/office/powerpoint/2010/main" val="4031499499"/>
+              </p:ext>
+            </p:extLst>
+          </p:nvPr>
+        </p:nvGraphicFramePr>
+        <p:xfrm>
+          <a:off x="271153" y="1567543"/>
+          <a:ext cx="11649694" cy="4728770"/>
+        </p:xfrm>
+        <a:graphic>
+          <a:graphicData uri="http://schemas.openxmlformats.org/drawingml/2006/table">
+            <a:tbl>
+              <a:tblPr firstRow="1" bandRow="1">
+                <a:tableStyleId>{5C22544A-7EE6-4342-B048-85BDC9FD1C3A}</a:tableStyleId>
+              </a:tblPr>
+              <a:tblGrid>
+                <a:gridCol w="3196442">
+                  <a:extLst>
+                    <a:ext uri="{9D8B030D-6E8A-4147-A177-3AD203B41FA5}">
+                      <a16:colId xmlns:a16="http://schemas.microsoft.com/office/drawing/2014/main" val="378969518"/>
+                    </a:ext>
+                  </a:extLst>
+                </a:gridCol>
+                <a:gridCol w="3551899">
+                  <a:extLst>
+                    <a:ext uri="{9D8B030D-6E8A-4147-A177-3AD203B41FA5}">
+                      <a16:colId xmlns:a16="http://schemas.microsoft.com/office/drawing/2014/main" val="187188314"/>
+                    </a:ext>
+                  </a:extLst>
+                </a:gridCol>
+                <a:gridCol w="4901353">
+                  <a:extLst>
+                    <a:ext uri="{9D8B030D-6E8A-4147-A177-3AD203B41FA5}">
+                      <a16:colId xmlns:a16="http://schemas.microsoft.com/office/drawing/2014/main" val="1941964557"/>
+                    </a:ext>
+                  </a:extLst>
+                </a:gridCol>
+              </a:tblGrid>
+              <a:tr h="374684">
+                <a:tc>
+                  <a:txBody>
+                    <a:bodyPr/>
+                    <a:lstStyle/>
+                    <a:p>
+                      <a:r>
+                        <a:rPr lang="en-US" dirty="0"/>
+                        <a:t>Variable</a:t>
+                      </a:r>
+                    </a:p>
+                  </a:txBody>
+                  <a:tcPr/>
+                </a:tc>
+                <a:tc>
+                  <a:txBody>
+                    <a:bodyPr/>
+                    <a:lstStyle/>
+                    <a:p>
+                      <a:r>
+                        <a:rPr lang="en-US" dirty="0"/>
+                        <a:t>Contents</a:t>
+                      </a:r>
+                    </a:p>
+                  </a:txBody>
+                  <a:tcPr/>
+                </a:tc>
+                <a:tc>
+                  <a:txBody>
+                    <a:bodyPr/>
+                    <a:lstStyle/>
+                    <a:p>
+                      <a:r>
+                        <a:rPr lang="en-US" dirty="0"/>
+                        <a:t>Example Value </a:t>
+                      </a:r>
+                    </a:p>
+                    <a:p>
+                      <a:r>
+                        <a:rPr lang="en-US" dirty="0"/>
+                        <a:t>(f</a:t>
+                      </a:r>
+                      <a:r>
+                        <a:rPr lang="en-US" dirty="0">
+                          <a:latin typeface="+mn-lt"/>
+                        </a:rPr>
+                        <a:t>or session1/</a:t>
+                      </a:r>
+                      <a:r>
+                        <a:rPr lang="en-US" dirty="0" err="1">
+                          <a:latin typeface="+mn-lt"/>
+                        </a:rPr>
+                        <a:t>quad_reg</a:t>
+                      </a:r>
+                      <a:r>
+                        <a:rPr lang="en-US" dirty="0">
+                          <a:latin typeface="+mn-lt"/>
+                        </a:rPr>
+                        <a:t>/CMakeLists.txt)</a:t>
+                      </a:r>
+                    </a:p>
+                  </a:txBody>
+                  <a:tcPr/>
+                </a:tc>
+                <a:extLst>
+                  <a:ext uri="{0D108BD9-81ED-4DB2-BD59-A6C34878D82A}">
+                    <a16:rowId xmlns:a16="http://schemas.microsoft.com/office/drawing/2014/main" val="77260649"/>
+                  </a:ext>
+                </a:extLst>
+              </a:tr>
+              <a:tr h="670345">
+                <a:tc>
+                  <a:txBody>
+                    <a:bodyPr/>
+                    <a:lstStyle/>
+                    <a:p>
+                      <a:r>
+                        <a:rPr lang="en-US" dirty="0">
+                          <a:latin typeface="Consolas" panose="020B0609020204030204" pitchFamily="49" charset="0"/>
+                        </a:rPr>
+                        <a:t>CMAKE_SOURCE_DIR</a:t>
+                      </a:r>
+                    </a:p>
+                  </a:txBody>
+                  <a:tcPr/>
+                </a:tc>
+                <a:tc>
+                  <a:txBody>
+                    <a:bodyPr/>
+                    <a:lstStyle/>
+                    <a:p>
+                      <a:r>
+                        <a:rPr lang="en-US" dirty="0"/>
+                        <a:t>Top-level source folder of your project</a:t>
+                      </a:r>
+                    </a:p>
+                  </a:txBody>
+                  <a:tcPr/>
+                </a:tc>
+                <a:tc>
+                  <a:txBody>
+                    <a:bodyPr/>
+                    <a:lstStyle/>
+                    <a:p>
+                      <a:r>
+                        <a:rPr lang="en-US" dirty="0">
+                          <a:latin typeface="Consolas" panose="020B0609020204030204" pitchFamily="49" charset="0"/>
+                        </a:rPr>
+                        <a:t>&lt;…&gt;/session1</a:t>
+                      </a:r>
+                    </a:p>
+                  </a:txBody>
+                  <a:tcPr/>
+                </a:tc>
+                <a:extLst>
+                  <a:ext uri="{0D108BD9-81ED-4DB2-BD59-A6C34878D82A}">
+                    <a16:rowId xmlns:a16="http://schemas.microsoft.com/office/drawing/2014/main" val="2327361275"/>
+                  </a:ext>
+                </a:extLst>
+              </a:tr>
+              <a:tr h="923877">
+                <a:tc>
+                  <a:txBody>
+                    <a:bodyPr/>
+                    <a:lstStyle/>
+                    <a:p>
+                      <a:r>
+                        <a:rPr lang="en-US" dirty="0">
+                          <a:latin typeface="Consolas" panose="020B0609020204030204" pitchFamily="49" charset="0"/>
+                        </a:rPr>
+                        <a:t>CMAKE_CURRENT_SOURCE_DIR</a:t>
+                      </a:r>
+                    </a:p>
+                  </a:txBody>
+                  <a:tcPr/>
+                </a:tc>
+                <a:tc>
+                  <a:txBody>
+                    <a:bodyPr/>
+                    <a:lstStyle/>
+                    <a:p>
+                      <a:r>
+                        <a:rPr lang="en-US" dirty="0"/>
+                        <a:t>Source folder of the current CMakeLists.txt</a:t>
+                      </a:r>
+                    </a:p>
+                  </a:txBody>
+                  <a:tcPr/>
+                </a:tc>
+                <a:tc>
+                  <a:txBody>
+                    <a:bodyPr/>
+                    <a:lstStyle/>
+                    <a:p>
+                      <a:r>
+                        <a:rPr lang="en-US" dirty="0">
+                          <a:latin typeface="Consolas" panose="020B0609020204030204" pitchFamily="49" charset="0"/>
+                        </a:rPr>
+                        <a:t>&lt;…&gt;/session1/</a:t>
+                      </a:r>
+                      <a:r>
+                        <a:rPr lang="en-US" dirty="0" err="1">
+                          <a:latin typeface="Consolas" panose="020B0609020204030204" pitchFamily="49" charset="0"/>
+                        </a:rPr>
+                        <a:t>quad_reg</a:t>
+                      </a:r>
+                      <a:endParaRPr lang="en-US" dirty="0">
+                        <a:latin typeface="Consolas" panose="020B0609020204030204" pitchFamily="49" charset="0"/>
+                      </a:endParaRPr>
+                    </a:p>
+                  </a:txBody>
+                  <a:tcPr/>
+                </a:tc>
+                <a:extLst>
+                  <a:ext uri="{0D108BD9-81ED-4DB2-BD59-A6C34878D82A}">
+                    <a16:rowId xmlns:a16="http://schemas.microsoft.com/office/drawing/2014/main" val="1751401529"/>
+                  </a:ext>
+                </a:extLst>
+              </a:tr>
+              <a:tr h="923877">
+                <a:tc>
+                  <a:txBody>
+                    <a:bodyPr/>
+                    <a:lstStyle/>
+                    <a:p>
+                      <a:r>
+                        <a:rPr lang="en-US" dirty="0">
+                          <a:latin typeface="Consolas" panose="020B0609020204030204" pitchFamily="49" charset="0"/>
+                        </a:rPr>
+                        <a:t>CMAKE_BINARY_DIR</a:t>
+                      </a:r>
+                    </a:p>
+                  </a:txBody>
+                  <a:tcPr/>
+                </a:tc>
+                <a:tc>
+                  <a:txBody>
+                    <a:bodyPr/>
+                    <a:lstStyle/>
+                    <a:p>
+                      <a:r>
+                        <a:rPr lang="en-US" dirty="0"/>
+                        <a:t>Top-level binary </a:t>
+                      </a:r>
+                      <a:r>
+                        <a:rPr lang="en-US" dirty="0" err="1"/>
+                        <a:t>dir</a:t>
+                      </a:r>
+                      <a:r>
+                        <a:rPr lang="en-US" dirty="0"/>
+                        <a:t> of your project</a:t>
+                      </a:r>
+                    </a:p>
+                  </a:txBody>
+                  <a:tcPr/>
+                </a:tc>
+                <a:tc>
+                  <a:txBody>
+                    <a:bodyPr/>
+                    <a:lstStyle/>
+                    <a:p>
+                      <a:r>
+                        <a:rPr lang="en-US" dirty="0">
+                          <a:latin typeface="Consolas" panose="020B0609020204030204" pitchFamily="49" charset="0"/>
+                        </a:rPr>
+                        <a:t>&lt;…&gt;/session1/build/</a:t>
+                      </a:r>
+                    </a:p>
+                  </a:txBody>
+                  <a:tcPr/>
+                </a:tc>
+                <a:extLst>
+                  <a:ext uri="{0D108BD9-81ED-4DB2-BD59-A6C34878D82A}">
+                    <a16:rowId xmlns:a16="http://schemas.microsoft.com/office/drawing/2014/main" val="2434761421"/>
+                  </a:ext>
+                </a:extLst>
+              </a:tr>
+              <a:tr h="923877">
+                <a:tc>
+                  <a:txBody>
+                    <a:bodyPr/>
+                    <a:lstStyle/>
+                    <a:p>
+                      <a:r>
+                        <a:rPr lang="en-US" dirty="0">
+                          <a:latin typeface="Consolas" panose="020B0609020204030204" pitchFamily="49" charset="0"/>
+                        </a:rPr>
+                        <a:t>CMAKE_CURRENT_BINARY_DIR</a:t>
+                      </a:r>
+                    </a:p>
+                  </a:txBody>
+                  <a:tcPr/>
+                </a:tc>
+                <a:tc>
+                  <a:txBody>
+                    <a:bodyPr/>
+                    <a:lstStyle/>
+                    <a:p>
+                      <a:r>
+                        <a:rPr lang="en-US" dirty="0"/>
+                        <a:t>Binary </a:t>
+                      </a:r>
+                      <a:r>
+                        <a:rPr lang="en-US" dirty="0" err="1"/>
+                        <a:t>dir</a:t>
+                      </a:r>
+                      <a:r>
+                        <a:rPr lang="en-US" dirty="0"/>
+                        <a:t> for the current CMakeLists.txt</a:t>
+                      </a:r>
+                    </a:p>
+                  </a:txBody>
+                  <a:tcPr/>
+                </a:tc>
+                <a:tc>
+                  <a:txBody>
+                    <a:bodyPr/>
+                    <a:lstStyle/>
+                    <a:p>
+                      <a:r>
+                        <a:rPr lang="en-US" dirty="0">
+                          <a:latin typeface="Consolas" panose="020B0609020204030204" pitchFamily="49" charset="0"/>
+                        </a:rPr>
+                        <a:t>&lt;…&gt;/session1/build/</a:t>
+                      </a:r>
+                      <a:r>
+                        <a:rPr lang="en-US" dirty="0" err="1">
+                          <a:latin typeface="Consolas" panose="020B0609020204030204" pitchFamily="49" charset="0"/>
+                        </a:rPr>
+                        <a:t>quad_reg</a:t>
+                      </a:r>
+                      <a:endParaRPr lang="en-US" dirty="0">
+                        <a:latin typeface="Consolas" panose="020B0609020204030204" pitchFamily="49" charset="0"/>
+                      </a:endParaRPr>
+                    </a:p>
+                  </a:txBody>
+                  <a:tcPr/>
+                </a:tc>
+                <a:extLst>
+                  <a:ext uri="{0D108BD9-81ED-4DB2-BD59-A6C34878D82A}">
+                    <a16:rowId xmlns:a16="http://schemas.microsoft.com/office/drawing/2014/main" val="2819289421"/>
+                  </a:ext>
+                </a:extLst>
+              </a:tr>
+              <a:tr h="646714">
+                <a:tc>
+                  <a:txBody>
+                    <a:bodyPr/>
+                    <a:lstStyle/>
+                    <a:p>
+                      <a:r>
+                        <a:rPr lang="en-US" dirty="0">
+                          <a:latin typeface="Consolas" panose="020B0609020204030204" pitchFamily="49" charset="0"/>
+                        </a:rPr>
+                        <a:t>CMAKE_INSTALL_PREFIX</a:t>
+                      </a:r>
+                    </a:p>
+                  </a:txBody>
+                  <a:tcPr/>
+                </a:tc>
+                <a:tc>
+                  <a:txBody>
+                    <a:bodyPr/>
+                    <a:lstStyle/>
+                    <a:p>
+                      <a:r>
+                        <a:rPr lang="en-US" dirty="0"/>
+                        <a:t>Directory that build products will be installed to</a:t>
+                      </a:r>
+                    </a:p>
+                  </a:txBody>
+                  <a:tcPr/>
+                </a:tc>
+                <a:tc>
+                  <a:txBody>
+                    <a:bodyPr/>
+                    <a:lstStyle/>
+                    <a:p>
+                      <a:r>
+                        <a:rPr lang="en-US" dirty="0">
+                          <a:latin typeface="Consolas" panose="020B0609020204030204" pitchFamily="49" charset="0"/>
+                        </a:rPr>
+                        <a:t>/</a:t>
+                      </a:r>
+                      <a:r>
+                        <a:rPr lang="en-US" dirty="0" err="1">
+                          <a:latin typeface="Consolas" panose="020B0609020204030204" pitchFamily="49" charset="0"/>
+                        </a:rPr>
+                        <a:t>usr</a:t>
+                      </a:r>
+                      <a:r>
+                        <a:rPr lang="en-US" dirty="0">
+                          <a:latin typeface="Consolas" panose="020B0609020204030204" pitchFamily="49" charset="0"/>
+                        </a:rPr>
+                        <a:t>/local</a:t>
+                      </a:r>
+                    </a:p>
+                  </a:txBody>
+                  <a:tcPr/>
+                </a:tc>
+                <a:extLst>
+                  <a:ext uri="{0D108BD9-81ED-4DB2-BD59-A6C34878D82A}">
+                    <a16:rowId xmlns:a16="http://schemas.microsoft.com/office/drawing/2014/main" val="3945349640"/>
+                  </a:ext>
+                </a:extLst>
+              </a:tr>
+            </a:tbl>
+          </a:graphicData>
+        </a:graphic>
+      </p:graphicFrame>
+    </p:spTree>
+    <p:extLst>
+      <p:ext uri="{BB962C8B-B14F-4D97-AF65-F5344CB8AC3E}">
+        <p14:creationId xmlns:p14="http://schemas.microsoft.com/office/powerpoint/2010/main" val="3989358696"/>
+      </p:ext>
+    </p:extLst>
+  </p:cSld>
+  <p:clrMapOvr>
+    <a:masterClrMapping/>
+  </p:clrMapOvr>
+</p:sld>
+</file>
+
+<file path=ppt/slides/slide27.xml><?xml version="1.0" encoding="utf-8"?>
+<p:sld xmlns:a="http://schemas.openxmlformats.org/drawingml/2006/main" xmlns:r="http://schemas.openxmlformats.org/officeDocument/2006/relationships" xmlns:p="http://schemas.openxmlformats.org/presentationml/2006/main">
+  <p:cSld>
+    <p:spTree>
+      <p:nvGrpSpPr>
+        <p:cNvPr id="1" name=""/>
+        <p:cNvGrpSpPr/>
+        <p:nvPr/>
+      </p:nvGrpSpPr>
+      <p:grpSpPr>
+        <a:xfrm>
+          <a:off x="0" y="0"/>
+          <a:ext cx="0" cy="0"/>
+          <a:chOff x="0" y="0"/>
+          <a:chExt cx="0" cy="0"/>
+        </a:xfrm>
+      </p:grpSpPr>
+      <p:sp>
+        <p:nvSpPr>
+          <p:cNvPr id="2" name="Title 1">
+            <a:extLst>
+              <a:ext uri="{FF2B5EF4-FFF2-40B4-BE49-F238E27FC236}">
+                <a16:creationId xmlns:a16="http://schemas.microsoft.com/office/drawing/2014/main" id="{CAE8836A-BB32-4845-A004-95A0A27AE3F3}"/>
+              </a:ext>
+            </a:extLst>
+          </p:cNvPr>
+          <p:cNvSpPr>
+            <a:spLocks noGrp="1"/>
+          </p:cNvSpPr>
+          <p:nvPr>
+            <p:ph type="title"/>
+          </p:nvPr>
+        </p:nvSpPr>
+        <p:spPr/>
+        <p:txBody>
+          <a:bodyPr/>
+          <a:lstStyle/>
+          <a:p>
+            <a:r>
+              <a:rPr lang="en-US" dirty="0">
+                <a:solidFill>
+                  <a:schemeClr val="tx1">
+                    <a:lumMod val="65000"/>
+                  </a:schemeClr>
+                </a:solidFill>
+              </a:rPr>
+              <a:t>Exercise 2:</a:t>
+            </a:r>
+            <a:r>
+              <a:rPr lang="en-US" dirty="0"/>
+              <a:t> </a:t>
+            </a:r>
+            <a:r>
+              <a:rPr lang="en-US" dirty="0" err="1"/>
+              <a:t>QuadRegTest</a:t>
+            </a:r>
+            <a:endParaRPr lang="en-US" dirty="0"/>
+          </a:p>
+        </p:txBody>
+      </p:sp>
+      <p:sp>
+        <p:nvSpPr>
+          <p:cNvPr id="3" name="Content Placeholder 2">
+            <a:extLst>
+              <a:ext uri="{FF2B5EF4-FFF2-40B4-BE49-F238E27FC236}">
+                <a16:creationId xmlns:a16="http://schemas.microsoft.com/office/drawing/2014/main" id="{D060DA9B-FC24-4786-823D-8030BA805B94}"/>
+              </a:ext>
+            </a:extLst>
+          </p:cNvPr>
+          <p:cNvSpPr>
+            <a:spLocks noGrp="1"/>
+          </p:cNvSpPr>
+          <p:nvPr>
+            <p:ph idx="1"/>
+          </p:nvPr>
+        </p:nvSpPr>
+        <p:spPr/>
+        <p:txBody>
+          <a:bodyPr/>
+          <a:lstStyle/>
+          <a:p>
+            <a:r>
+              <a:rPr lang="en-US" dirty="0"/>
+              <a:t>We are now going to create a simple CMakeLists.txt</a:t>
+            </a:r>
+          </a:p>
+          <a:p>
+            <a:r>
+              <a:rPr lang="en-US" dirty="0"/>
+              <a:t>Create a new one in the session1 folder and open it in your text editor</a:t>
+            </a:r>
+          </a:p>
+        </p:txBody>
+      </p:sp>
+    </p:spTree>
+    <p:extLst>
+      <p:ext uri="{BB962C8B-B14F-4D97-AF65-F5344CB8AC3E}">
+        <p14:creationId xmlns:p14="http://schemas.microsoft.com/office/powerpoint/2010/main" val="92991833"/>
+      </p:ext>
+    </p:extLst>
+  </p:cSld>
+  <p:clrMapOvr>
+    <a:masterClrMapping/>
+  </p:clrMapOvr>
+</p:sld>
+</file>
+
+<file path=ppt/slides/slide28.xml><?xml version="1.0" encoding="utf-8"?>
+<p:sld xmlns:a="http://schemas.openxmlformats.org/drawingml/2006/main" xmlns:r="http://schemas.openxmlformats.org/officeDocument/2006/relationships" xmlns:p="http://schemas.openxmlformats.org/presentationml/2006/main">
+  <p:cSld>
+    <p:spTree>
+      <p:nvGrpSpPr>
+        <p:cNvPr id="1" name=""/>
+        <p:cNvGrpSpPr/>
+        <p:nvPr/>
+      </p:nvGrpSpPr>
+      <p:grpSpPr>
+        <a:xfrm>
+          <a:off x="0" y="0"/>
+          <a:ext cx="0" cy="0"/>
+          <a:chOff x="0" y="0"/>
+          <a:chExt cx="0" cy="0"/>
+        </a:xfrm>
+      </p:grpSpPr>
+      <p:sp>
+        <p:nvSpPr>
+          <p:cNvPr id="2" name="Title 1">
+            <a:extLst>
+              <a:ext uri="{FF2B5EF4-FFF2-40B4-BE49-F238E27FC236}">
+                <a16:creationId xmlns:a16="http://schemas.microsoft.com/office/drawing/2014/main" id="{DE51E93F-3207-41B2-A03C-371DDFC5CED6}"/>
+              </a:ext>
+            </a:extLst>
+          </p:cNvPr>
+          <p:cNvSpPr>
+            <a:spLocks noGrp="1"/>
+          </p:cNvSpPr>
+          <p:nvPr>
+            <p:ph type="title"/>
+          </p:nvPr>
+        </p:nvSpPr>
+        <p:spPr/>
+        <p:txBody>
+          <a:bodyPr/>
+          <a:lstStyle/>
+          <a:p>
+            <a:r>
+              <a:rPr lang="en-US" dirty="0"/>
+              <a:t>Initialization code</a:t>
+            </a:r>
+          </a:p>
+        </p:txBody>
+      </p:sp>
+      <p:sp>
+        <p:nvSpPr>
+          <p:cNvPr id="6" name="Content Placeholder 5">
+            <a:extLst>
+              <a:ext uri="{FF2B5EF4-FFF2-40B4-BE49-F238E27FC236}">
+                <a16:creationId xmlns:a16="http://schemas.microsoft.com/office/drawing/2014/main" id="{DCE59FC2-4E63-487A-BD7B-29E7B6E070AE}"/>
+              </a:ext>
+            </a:extLst>
+          </p:cNvPr>
+          <p:cNvSpPr>
+            <a:spLocks noGrp="1"/>
+          </p:cNvSpPr>
+          <p:nvPr>
+            <p:ph idx="1"/>
+          </p:nvPr>
+        </p:nvSpPr>
+        <p:spPr>
+          <a:xfrm>
+            <a:off x="685801" y="1436915"/>
+            <a:ext cx="5507181" cy="5266706"/>
+          </a:xfrm>
+        </p:spPr>
+        <p:txBody>
+          <a:bodyPr>
+            <a:normAutofit fontScale="92500" lnSpcReduction="20000"/>
+          </a:bodyPr>
+          <a:lstStyle/>
+          <a:p>
+            <a:r>
+              <a:rPr lang="en-US" dirty="0"/>
+              <a:t>These two statements are needed as the first lines of all CMake build systems</a:t>
+            </a:r>
+          </a:p>
+          <a:p>
+            <a:r>
+              <a:rPr lang="en-US" dirty="0" err="1"/>
+              <a:t>cmake_minimum_required</a:t>
+            </a:r>
+            <a:r>
+              <a:rPr lang="en-US" dirty="0"/>
+              <a:t>()</a:t>
+            </a:r>
+          </a:p>
+          <a:p>
+            <a:pPr lvl="1"/>
+            <a:r>
+              <a:rPr lang="en-US" dirty="0"/>
+              <a:t>Sets minimum version needed to run the </a:t>
+            </a:r>
+            <a:r>
+              <a:rPr lang="en-US" dirty="0" err="1"/>
+              <a:t>buildfiles</a:t>
+            </a:r>
+            <a:r>
+              <a:rPr lang="en-US" dirty="0"/>
+              <a:t>.</a:t>
+            </a:r>
+          </a:p>
+          <a:p>
+            <a:pPr lvl="1"/>
+            <a:r>
+              <a:rPr lang="en-US" dirty="0"/>
+              <a:t>Disables backwards compatibility for versions older than the given one.</a:t>
+            </a:r>
+          </a:p>
+          <a:p>
+            <a:r>
+              <a:rPr lang="en-US" dirty="0"/>
+              <a:t>project()</a:t>
+            </a:r>
+          </a:p>
+          <a:p>
+            <a:pPr lvl="1"/>
+            <a:r>
+              <a:rPr lang="en-US" dirty="0"/>
+              <a:t>Sets the name of the project (e.g. for display in IDEs).</a:t>
+            </a:r>
+          </a:p>
+          <a:p>
+            <a:pPr lvl="1"/>
+            <a:r>
+              <a:rPr lang="en-US" dirty="0"/>
+              <a:t>Tells CMake which compilers to search for.</a:t>
+            </a:r>
+          </a:p>
+          <a:p>
+            <a:r>
+              <a:rPr lang="en-US" dirty="0"/>
+              <a:t>NOTE: C++ is called “CXX” in CMake, probably so it can be used as a valid filesystem path</a:t>
+            </a:r>
+          </a:p>
+        </p:txBody>
+      </p:sp>
+      <p:pic>
+        <p:nvPicPr>
+          <p:cNvPr id="7" name="Picture 6">
+            <a:extLst>
+              <a:ext uri="{FF2B5EF4-FFF2-40B4-BE49-F238E27FC236}">
+                <a16:creationId xmlns:a16="http://schemas.microsoft.com/office/drawing/2014/main" id="{AECA4C61-93AE-464E-BC7E-99DEF9FD7A35}"/>
+              </a:ext>
+            </a:extLst>
+          </p:cNvPr>
+          <p:cNvPicPr>
+            <a:picLocks noChangeAspect="1"/>
+          </p:cNvPicPr>
+          <p:nvPr/>
+        </p:nvPicPr>
+        <p:blipFill>
+          <a:blip r:embed="rId2"/>
+          <a:stretch>
+            <a:fillRect/>
+          </a:stretch>
+        </p:blipFill>
+        <p:spPr>
+          <a:xfrm>
+            <a:off x="6596743" y="1923804"/>
+            <a:ext cx="5114509" cy="523743"/>
+          </a:xfrm>
+          <a:prstGeom prst="rect">
+            <a:avLst/>
+          </a:prstGeom>
+        </p:spPr>
+      </p:pic>
+    </p:spTree>
+    <p:extLst>
+      <p:ext uri="{BB962C8B-B14F-4D97-AF65-F5344CB8AC3E}">
+        <p14:creationId xmlns:p14="http://schemas.microsoft.com/office/powerpoint/2010/main" val="652072168"/>
+      </p:ext>
+    </p:extLst>
+  </p:cSld>
+  <p:clrMapOvr>
+    <a:masterClrMapping/>
+  </p:clrMapOvr>
+</p:sld>
+</file>
+
+<file path=ppt/slides/slide29.xml><?xml version="1.0" encoding="utf-8"?>
+<p:sld xmlns:a="http://schemas.openxmlformats.org/drawingml/2006/main" xmlns:r="http://schemas.openxmlformats.org/officeDocument/2006/relationships" xmlns:p="http://schemas.openxmlformats.org/presentationml/2006/main">
+  <p:cSld>
+    <p:spTree>
+      <p:nvGrpSpPr>
+        <p:cNvPr id="1" name=""/>
+        <p:cNvGrpSpPr/>
+        <p:nvPr/>
+      </p:nvGrpSpPr>
+      <p:grpSpPr>
+        <a:xfrm>
+          <a:off x="0" y="0"/>
+          <a:ext cx="0" cy="0"/>
+          <a:chOff x="0" y="0"/>
+          <a:chExt cx="0" cy="0"/>
+        </a:xfrm>
+      </p:grpSpPr>
+      <p:sp>
+        <p:nvSpPr>
+          <p:cNvPr id="2" name="Title 1">
+            <a:extLst>
+              <a:ext uri="{FF2B5EF4-FFF2-40B4-BE49-F238E27FC236}">
+                <a16:creationId xmlns:a16="http://schemas.microsoft.com/office/drawing/2014/main" id="{C26F1A6A-DBC3-4205-8FFA-10AACB47AAA6}"/>
+              </a:ext>
+            </a:extLst>
+          </p:cNvPr>
+          <p:cNvSpPr>
+            <a:spLocks noGrp="1"/>
+          </p:cNvSpPr>
+          <p:nvPr>
+            <p:ph type="title"/>
+          </p:nvPr>
+        </p:nvSpPr>
+        <p:spPr/>
+        <p:txBody>
+          <a:bodyPr/>
+          <a:lstStyle/>
+          <a:p>
+            <a:r>
+              <a:rPr lang="en-US" dirty="0"/>
+              <a:t>Source list</a:t>
+            </a:r>
+          </a:p>
+        </p:txBody>
+      </p:sp>
+      <p:sp>
+        <p:nvSpPr>
+          <p:cNvPr id="3" name="Content Placeholder 2">
+            <a:extLst>
+              <a:ext uri="{FF2B5EF4-FFF2-40B4-BE49-F238E27FC236}">
+                <a16:creationId xmlns:a16="http://schemas.microsoft.com/office/drawing/2014/main" id="{42B07E63-C1EA-4026-9BC8-F16AEA180247}"/>
+              </a:ext>
+            </a:extLst>
+          </p:cNvPr>
+          <p:cNvSpPr>
+            <a:spLocks noGrp="1"/>
+          </p:cNvSpPr>
+          <p:nvPr>
+            <p:ph idx="1"/>
+          </p:nvPr>
+        </p:nvSpPr>
+        <p:spPr>
+          <a:xfrm>
+            <a:off x="685801" y="1799112"/>
+            <a:ext cx="4978729" cy="4773879"/>
+          </a:xfrm>
+        </p:spPr>
+        <p:txBody>
+          <a:bodyPr/>
+          <a:lstStyle/>
+          <a:p>
+            <a:r>
+              <a:rPr lang="en-US" dirty="0"/>
+              <a:t>Creates a variable (TEST_QUADREG_SOURCES) containing the paths to both files</a:t>
+            </a:r>
+          </a:p>
+          <a:p>
+            <a:pPr lvl="1"/>
+            <a:r>
+              <a:rPr lang="en-US" dirty="0"/>
+              <a:t>Paths in CMake are almost always interpreted relative to the source directory</a:t>
+            </a:r>
+          </a:p>
+          <a:p>
+            <a:r>
+              <a:rPr lang="en-US" dirty="0"/>
+              <a:t>I recommend always making lists of source files at the top of the file.</a:t>
+            </a:r>
+          </a:p>
+          <a:p>
+            <a:r>
+              <a:rPr lang="en-US" dirty="0"/>
+              <a:t>This is dead simple to the reader and makes it easy for the non-CMake-literate to add source files</a:t>
+            </a:r>
+          </a:p>
+          <a:p>
+            <a:endParaRPr lang="en-US" dirty="0"/>
+          </a:p>
+        </p:txBody>
+      </p:sp>
+      <p:pic>
+        <p:nvPicPr>
+          <p:cNvPr id="4" name="Picture 3">
+            <a:extLst>
+              <a:ext uri="{FF2B5EF4-FFF2-40B4-BE49-F238E27FC236}">
+                <a16:creationId xmlns:a16="http://schemas.microsoft.com/office/drawing/2014/main" id="{2EBA19B9-2E57-4819-B21A-CF4181AC58FA}"/>
+              </a:ext>
+            </a:extLst>
+          </p:cNvPr>
+          <p:cNvPicPr>
+            <a:picLocks noChangeAspect="1"/>
+          </p:cNvPicPr>
+          <p:nvPr/>
+        </p:nvPicPr>
+        <p:blipFill>
+          <a:blip r:embed="rId2"/>
+          <a:stretch>
+            <a:fillRect/>
+          </a:stretch>
+        </p:blipFill>
+        <p:spPr>
+          <a:xfrm>
+            <a:off x="6227914" y="1186544"/>
+            <a:ext cx="5278285" cy="1585154"/>
+          </a:xfrm>
+          <a:prstGeom prst="rect">
+            <a:avLst/>
+          </a:prstGeom>
+        </p:spPr>
+      </p:pic>
+    </p:spTree>
+    <p:extLst>
+      <p:ext uri="{BB962C8B-B14F-4D97-AF65-F5344CB8AC3E}">
+        <p14:creationId xmlns:p14="http://schemas.microsoft.com/office/powerpoint/2010/main" val="2130524371"/>
+      </p:ext>
+    </p:extLst>
+  </p:cSld>
+  <p:clrMapOvr>
+    <a:masterClrMapping/>
+  </p:clrMapOvr>
+</p:sld>
+</file>
+
 <file path=ppt/slides/slide3.xml><?xml version="1.0" encoding="utf-8"?>
 <p:sld xmlns:a="http://schemas.openxmlformats.org/drawingml/2006/main" xmlns:r="http://schemas.openxmlformats.org/officeDocument/2006/relationships" xmlns:p="http://schemas.openxmlformats.org/presentationml/2006/main">
   <p:cSld>
@@ -8790,6 +11538,751 @@
     <p:extLst>
       <p:ext uri="{BB962C8B-B14F-4D97-AF65-F5344CB8AC3E}">
         <p14:creationId xmlns:p14="http://schemas.microsoft.com/office/powerpoint/2010/main" val="798132896"/>
+      </p:ext>
+    </p:extLst>
+  </p:cSld>
+  <p:clrMapOvr>
+    <a:masterClrMapping/>
+  </p:clrMapOvr>
+</p:sld>
+</file>
+
+<file path=ppt/slides/slide30.xml><?xml version="1.0" encoding="utf-8"?>
+<p:sld xmlns:a="http://schemas.openxmlformats.org/drawingml/2006/main" xmlns:r="http://schemas.openxmlformats.org/officeDocument/2006/relationships" xmlns:p="http://schemas.openxmlformats.org/presentationml/2006/main">
+  <p:cSld>
+    <p:spTree>
+      <p:nvGrpSpPr>
+        <p:cNvPr id="1" name=""/>
+        <p:cNvGrpSpPr/>
+        <p:nvPr/>
+      </p:nvGrpSpPr>
+      <p:grpSpPr>
+        <a:xfrm>
+          <a:off x="0" y="0"/>
+          <a:ext cx="0" cy="0"/>
+          <a:chOff x="0" y="0"/>
+          <a:chExt cx="0" cy="0"/>
+        </a:xfrm>
+      </p:grpSpPr>
+      <p:sp>
+        <p:nvSpPr>
+          <p:cNvPr id="2" name="Title 1">
+            <a:extLst>
+              <a:ext uri="{FF2B5EF4-FFF2-40B4-BE49-F238E27FC236}">
+                <a16:creationId xmlns:a16="http://schemas.microsoft.com/office/drawing/2014/main" id="{FC2C8A6A-91F2-49AD-B7AA-A1338D3EB2ED}"/>
+              </a:ext>
+            </a:extLst>
+          </p:cNvPr>
+          <p:cNvSpPr>
+            <a:spLocks noGrp="1"/>
+          </p:cNvSpPr>
+          <p:nvPr>
+            <p:ph type="title"/>
+          </p:nvPr>
+        </p:nvSpPr>
+        <p:spPr/>
+        <p:txBody>
+          <a:bodyPr/>
+          <a:lstStyle/>
+          <a:p>
+            <a:r>
+              <a:rPr lang="en-US" dirty="0"/>
+              <a:t>Basic compile flags</a:t>
+            </a:r>
+          </a:p>
+        </p:txBody>
+      </p:sp>
+      <p:sp>
+        <p:nvSpPr>
+          <p:cNvPr id="3" name="Content Placeholder 2">
+            <a:extLst>
+              <a:ext uri="{FF2B5EF4-FFF2-40B4-BE49-F238E27FC236}">
+                <a16:creationId xmlns:a16="http://schemas.microsoft.com/office/drawing/2014/main" id="{F8DC4D64-5D9E-432C-8799-0A9C8896EC4A}"/>
+              </a:ext>
+            </a:extLst>
+          </p:cNvPr>
+          <p:cNvSpPr>
+            <a:spLocks noGrp="1"/>
+          </p:cNvSpPr>
+          <p:nvPr>
+            <p:ph idx="1"/>
+          </p:nvPr>
+        </p:nvSpPr>
+        <p:spPr>
+          <a:xfrm>
+            <a:off x="685801" y="1799112"/>
+            <a:ext cx="5410199" cy="4601687"/>
+          </a:xfrm>
+        </p:spPr>
+        <p:txBody>
+          <a:bodyPr>
+            <a:normAutofit lnSpcReduction="10000"/>
+          </a:bodyPr>
+          <a:lstStyle/>
+          <a:p>
+            <a:r>
+              <a:rPr lang="en-US" dirty="0" err="1"/>
+              <a:t>include_directories</a:t>
+            </a:r>
+            <a:r>
+              <a:rPr lang="en-US" dirty="0"/>
+              <a:t>()</a:t>
+            </a:r>
+          </a:p>
+          <a:p>
+            <a:pPr lvl="1"/>
+            <a:r>
+              <a:rPr lang="en-US" dirty="0"/>
+              <a:t>Adds directories to the include path</a:t>
+            </a:r>
+          </a:p>
+          <a:p>
+            <a:pPr lvl="1"/>
+            <a:r>
+              <a:rPr lang="en-US" dirty="0"/>
+              <a:t>Will be passed to the compiler using the –I option</a:t>
+            </a:r>
+          </a:p>
+          <a:p>
+            <a:r>
+              <a:rPr lang="en-US" dirty="0" err="1"/>
+              <a:t>add_compile_options</a:t>
+            </a:r>
+            <a:r>
+              <a:rPr lang="en-US" dirty="0"/>
+              <a:t>()</a:t>
+            </a:r>
+          </a:p>
+          <a:p>
+            <a:pPr lvl="1"/>
+            <a:r>
+              <a:rPr lang="en-US" dirty="0"/>
+              <a:t>Adds the given options to the compiler flags</a:t>
+            </a:r>
+          </a:p>
+          <a:p>
+            <a:r>
+              <a:rPr lang="en-US" dirty="0"/>
+              <a:t>For now we are using functions that operate at the global scope</a:t>
+            </a:r>
+          </a:p>
+          <a:p>
+            <a:pPr lvl="1"/>
+            <a:r>
+              <a:rPr lang="en-US" dirty="0"/>
+              <a:t>Other ways to do this will be discussed </a:t>
+            </a:r>
+            <a:r>
+              <a:rPr lang="en-US"/>
+              <a:t>in session 2</a:t>
+            </a:r>
+            <a:endParaRPr lang="en-US" dirty="0"/>
+          </a:p>
+        </p:txBody>
+      </p:sp>
+      <p:pic>
+        <p:nvPicPr>
+          <p:cNvPr id="4" name="Picture 3">
+            <a:extLst>
+              <a:ext uri="{FF2B5EF4-FFF2-40B4-BE49-F238E27FC236}">
+                <a16:creationId xmlns:a16="http://schemas.microsoft.com/office/drawing/2014/main" id="{8F07FE3E-8AD7-40DF-8780-0FBDF548BA49}"/>
+              </a:ext>
+            </a:extLst>
+          </p:cNvPr>
+          <p:cNvPicPr>
+            <a:picLocks noChangeAspect="1"/>
+          </p:cNvPicPr>
+          <p:nvPr/>
+        </p:nvPicPr>
+        <p:blipFill>
+          <a:blip r:embed="rId2"/>
+          <a:stretch>
+            <a:fillRect/>
+          </a:stretch>
+        </p:blipFill>
+        <p:spPr>
+          <a:xfrm>
+            <a:off x="6830998" y="896587"/>
+            <a:ext cx="4786493" cy="2233697"/>
+          </a:xfrm>
+          <a:prstGeom prst="rect">
+            <a:avLst/>
+          </a:prstGeom>
+        </p:spPr>
+      </p:pic>
+    </p:spTree>
+    <p:extLst>
+      <p:ext uri="{BB962C8B-B14F-4D97-AF65-F5344CB8AC3E}">
+        <p14:creationId xmlns:p14="http://schemas.microsoft.com/office/powerpoint/2010/main" val="336813513"/>
+      </p:ext>
+    </p:extLst>
+  </p:cSld>
+  <p:clrMapOvr>
+    <a:masterClrMapping/>
+  </p:clrMapOvr>
+</p:sld>
+</file>
+
+<file path=ppt/slides/slide31.xml><?xml version="1.0" encoding="utf-8"?>
+<p:sld xmlns:a="http://schemas.openxmlformats.org/drawingml/2006/main" xmlns:r="http://schemas.openxmlformats.org/officeDocument/2006/relationships" xmlns:p="http://schemas.openxmlformats.org/presentationml/2006/main">
+  <p:cSld>
+    <p:spTree>
+      <p:nvGrpSpPr>
+        <p:cNvPr id="1" name=""/>
+        <p:cNvGrpSpPr/>
+        <p:nvPr/>
+      </p:nvGrpSpPr>
+      <p:grpSpPr>
+        <a:xfrm>
+          <a:off x="0" y="0"/>
+          <a:ext cx="0" cy="0"/>
+          <a:chOff x="0" y="0"/>
+          <a:chExt cx="0" cy="0"/>
+        </a:xfrm>
+      </p:grpSpPr>
+      <p:sp>
+        <p:nvSpPr>
+          <p:cNvPr id="2" name="Title 1">
+            <a:extLst>
+              <a:ext uri="{FF2B5EF4-FFF2-40B4-BE49-F238E27FC236}">
+                <a16:creationId xmlns:a16="http://schemas.microsoft.com/office/drawing/2014/main" id="{3EA828AD-4E94-452E-83D1-97527E50758A}"/>
+              </a:ext>
+            </a:extLst>
+          </p:cNvPr>
+          <p:cNvSpPr>
+            <a:spLocks noGrp="1"/>
+          </p:cNvSpPr>
+          <p:nvPr>
+            <p:ph type="title"/>
+          </p:nvPr>
+        </p:nvSpPr>
+        <p:spPr/>
+        <p:txBody>
+          <a:bodyPr/>
+          <a:lstStyle/>
+          <a:p>
+            <a:r>
+              <a:rPr lang="en-US" dirty="0"/>
+              <a:t>Adding the Executable</a:t>
+            </a:r>
+          </a:p>
+        </p:txBody>
+      </p:sp>
+      <p:sp>
+        <p:nvSpPr>
+          <p:cNvPr id="3" name="Content Placeholder 2">
+            <a:extLst>
+              <a:ext uri="{FF2B5EF4-FFF2-40B4-BE49-F238E27FC236}">
+                <a16:creationId xmlns:a16="http://schemas.microsoft.com/office/drawing/2014/main" id="{5BAAD10E-5C66-4EB4-85E9-4143992825EB}"/>
+              </a:ext>
+            </a:extLst>
+          </p:cNvPr>
+          <p:cNvSpPr>
+            <a:spLocks noGrp="1"/>
+          </p:cNvSpPr>
+          <p:nvPr>
+            <p:ph idx="1"/>
+          </p:nvPr>
+        </p:nvSpPr>
+        <p:spPr>
+          <a:xfrm>
+            <a:off x="685801" y="1799113"/>
+            <a:ext cx="5827815" cy="3992088"/>
+          </a:xfrm>
+        </p:spPr>
+        <p:txBody>
+          <a:bodyPr/>
+          <a:lstStyle/>
+          <a:p>
+            <a:r>
+              <a:rPr lang="en-US" dirty="0" err="1"/>
+              <a:t>add_executable</a:t>
+            </a:r>
+            <a:r>
+              <a:rPr lang="en-US" dirty="0"/>
+              <a:t>()</a:t>
+            </a:r>
+          </a:p>
+          <a:p>
+            <a:pPr lvl="1"/>
+            <a:r>
+              <a:rPr lang="en-US" dirty="0"/>
+              <a:t>Tells CMake to build an executable target with the given name from the given sources</a:t>
+            </a:r>
+          </a:p>
+          <a:p>
+            <a:r>
+              <a:rPr lang="en-US" dirty="0"/>
+              <a:t>We use the TEST_QUADREG_SOURCES variable we created earlier</a:t>
+            </a:r>
+          </a:p>
+        </p:txBody>
+      </p:sp>
+      <p:pic>
+        <p:nvPicPr>
+          <p:cNvPr id="4" name="Picture 3">
+            <a:extLst>
+              <a:ext uri="{FF2B5EF4-FFF2-40B4-BE49-F238E27FC236}">
+                <a16:creationId xmlns:a16="http://schemas.microsoft.com/office/drawing/2014/main" id="{3DBBA6B7-4183-4FBF-A8DF-E0CBE87C01C5}"/>
+              </a:ext>
+            </a:extLst>
+          </p:cNvPr>
+          <p:cNvPicPr>
+            <a:picLocks noChangeAspect="1"/>
+          </p:cNvPicPr>
+          <p:nvPr/>
+        </p:nvPicPr>
+        <p:blipFill>
+          <a:blip r:embed="rId2"/>
+          <a:stretch>
+            <a:fillRect/>
+          </a:stretch>
+        </p:blipFill>
+        <p:spPr>
+          <a:xfrm>
+            <a:off x="6715495" y="1231136"/>
+            <a:ext cx="4900755" cy="2812558"/>
+          </a:xfrm>
+          <a:prstGeom prst="rect">
+            <a:avLst/>
+          </a:prstGeom>
+        </p:spPr>
+      </p:pic>
+    </p:spTree>
+    <p:extLst>
+      <p:ext uri="{BB962C8B-B14F-4D97-AF65-F5344CB8AC3E}">
+        <p14:creationId xmlns:p14="http://schemas.microsoft.com/office/powerpoint/2010/main" val="105564314"/>
+      </p:ext>
+    </p:extLst>
+  </p:cSld>
+  <p:clrMapOvr>
+    <a:masterClrMapping/>
+  </p:clrMapOvr>
+</p:sld>
+</file>
+
+<file path=ppt/slides/slide32.xml><?xml version="1.0" encoding="utf-8"?>
+<p:sld xmlns:a="http://schemas.openxmlformats.org/drawingml/2006/main" xmlns:r="http://schemas.openxmlformats.org/officeDocument/2006/relationships" xmlns:p="http://schemas.openxmlformats.org/presentationml/2006/main">
+  <p:cSld>
+    <p:spTree>
+      <p:nvGrpSpPr>
+        <p:cNvPr id="1" name=""/>
+        <p:cNvGrpSpPr/>
+        <p:nvPr/>
+      </p:nvGrpSpPr>
+      <p:grpSpPr>
+        <a:xfrm>
+          <a:off x="0" y="0"/>
+          <a:ext cx="0" cy="0"/>
+          <a:chOff x="0" y="0"/>
+          <a:chExt cx="0" cy="0"/>
+        </a:xfrm>
+      </p:grpSpPr>
+      <p:sp>
+        <p:nvSpPr>
+          <p:cNvPr id="2" name="Title 1">
+            <a:extLst>
+              <a:ext uri="{FF2B5EF4-FFF2-40B4-BE49-F238E27FC236}">
+                <a16:creationId xmlns:a16="http://schemas.microsoft.com/office/drawing/2014/main" id="{E2142741-C4BE-42DC-9332-BD1B57848011}"/>
+              </a:ext>
+            </a:extLst>
+          </p:cNvPr>
+          <p:cNvSpPr>
+            <a:spLocks noGrp="1"/>
+          </p:cNvSpPr>
+          <p:nvPr>
+            <p:ph type="title"/>
+          </p:nvPr>
+        </p:nvSpPr>
+        <p:spPr/>
+        <p:txBody>
+          <a:bodyPr/>
+          <a:lstStyle/>
+          <a:p>
+            <a:r>
+              <a:rPr lang="en-US" dirty="0"/>
+              <a:t>Running Exercise 2</a:t>
+            </a:r>
+          </a:p>
+        </p:txBody>
+      </p:sp>
+      <p:sp>
+        <p:nvSpPr>
+          <p:cNvPr id="3" name="Content Placeholder 2">
+            <a:extLst>
+              <a:ext uri="{FF2B5EF4-FFF2-40B4-BE49-F238E27FC236}">
+                <a16:creationId xmlns:a16="http://schemas.microsoft.com/office/drawing/2014/main" id="{3018A8C7-3311-415B-B6CF-F197D8BFAC03}"/>
+              </a:ext>
+            </a:extLst>
+          </p:cNvPr>
+          <p:cNvSpPr>
+            <a:spLocks noGrp="1"/>
+          </p:cNvSpPr>
+          <p:nvPr>
+            <p:ph idx="1"/>
+          </p:nvPr>
+        </p:nvSpPr>
+        <p:spPr/>
+        <p:txBody>
+          <a:bodyPr/>
+          <a:lstStyle/>
+          <a:p>
+            <a:r>
+              <a:rPr lang="en-US" dirty="0">
+                <a:latin typeface="Consolas" panose="020B0609020204030204" pitchFamily="49" charset="0"/>
+              </a:rPr>
+              <a:t>cd session1</a:t>
+            </a:r>
+          </a:p>
+          <a:p>
+            <a:r>
+              <a:rPr lang="en-US" dirty="0" err="1">
+                <a:latin typeface="Consolas" panose="020B0609020204030204" pitchFamily="49" charset="0"/>
+              </a:rPr>
+              <a:t>mkdir</a:t>
+            </a:r>
+            <a:r>
+              <a:rPr lang="en-US" dirty="0">
+                <a:latin typeface="Consolas" panose="020B0609020204030204" pitchFamily="49" charset="0"/>
+              </a:rPr>
+              <a:t> build</a:t>
+            </a:r>
+          </a:p>
+          <a:p>
+            <a:r>
+              <a:rPr lang="en-US" dirty="0">
+                <a:latin typeface="Consolas" panose="020B0609020204030204" pitchFamily="49" charset="0"/>
+              </a:rPr>
+              <a:t>cd build</a:t>
+            </a:r>
+          </a:p>
+          <a:p>
+            <a:r>
+              <a:rPr lang="en-US" dirty="0" err="1">
+                <a:latin typeface="Consolas" panose="020B0609020204030204" pitchFamily="49" charset="0"/>
+              </a:rPr>
+              <a:t>cmake</a:t>
+            </a:r>
+            <a:r>
+              <a:rPr lang="en-US" dirty="0">
+                <a:latin typeface="Consolas" panose="020B0609020204030204" pitchFamily="49" charset="0"/>
+              </a:rPr>
+              <a:t> ..</a:t>
+            </a:r>
+          </a:p>
+          <a:p>
+            <a:r>
+              <a:rPr lang="en-US" dirty="0">
+                <a:latin typeface="Consolas" panose="020B0609020204030204" pitchFamily="49" charset="0"/>
+              </a:rPr>
+              <a:t>make</a:t>
+            </a:r>
+          </a:p>
+        </p:txBody>
+      </p:sp>
+    </p:spTree>
+    <p:extLst>
+      <p:ext uri="{BB962C8B-B14F-4D97-AF65-F5344CB8AC3E}">
+        <p14:creationId xmlns:p14="http://schemas.microsoft.com/office/powerpoint/2010/main" val="592235152"/>
+      </p:ext>
+    </p:extLst>
+  </p:cSld>
+  <p:clrMapOvr>
+    <a:masterClrMapping/>
+  </p:clrMapOvr>
+</p:sld>
+</file>
+
+<file path=ppt/slides/slide33.xml><?xml version="1.0" encoding="utf-8"?>
+<p:sld xmlns:a="http://schemas.openxmlformats.org/drawingml/2006/main" xmlns:r="http://schemas.openxmlformats.org/officeDocument/2006/relationships" xmlns:p="http://schemas.openxmlformats.org/presentationml/2006/main">
+  <p:cSld>
+    <p:spTree>
+      <p:nvGrpSpPr>
+        <p:cNvPr id="1" name=""/>
+        <p:cNvGrpSpPr/>
+        <p:nvPr/>
+      </p:nvGrpSpPr>
+      <p:grpSpPr>
+        <a:xfrm>
+          <a:off x="0" y="0"/>
+          <a:ext cx="0" cy="0"/>
+          <a:chOff x="0" y="0"/>
+          <a:chExt cx="0" cy="0"/>
+        </a:xfrm>
+      </p:grpSpPr>
+      <p:sp>
+        <p:nvSpPr>
+          <p:cNvPr id="2" name="Title 1">
+            <a:extLst>
+              <a:ext uri="{FF2B5EF4-FFF2-40B4-BE49-F238E27FC236}">
+                <a16:creationId xmlns:a16="http://schemas.microsoft.com/office/drawing/2014/main" id="{F2FF8D66-4568-4DFA-9828-2BE591A18CD5}"/>
+              </a:ext>
+            </a:extLst>
+          </p:cNvPr>
+          <p:cNvSpPr>
+            <a:spLocks noGrp="1"/>
+          </p:cNvSpPr>
+          <p:nvPr>
+            <p:ph type="title"/>
+          </p:nvPr>
+        </p:nvSpPr>
+        <p:spPr/>
+        <p:txBody>
+          <a:bodyPr/>
+          <a:lstStyle/>
+          <a:p>
+            <a:r>
+              <a:rPr lang="en-US" dirty="0"/>
+              <a:t>Exercise 2 Output</a:t>
+            </a:r>
+          </a:p>
+        </p:txBody>
+      </p:sp>
+      <p:pic>
+        <p:nvPicPr>
+          <p:cNvPr id="4" name="Picture 3">
+            <a:extLst>
+              <a:ext uri="{FF2B5EF4-FFF2-40B4-BE49-F238E27FC236}">
+                <a16:creationId xmlns:a16="http://schemas.microsoft.com/office/drawing/2014/main" id="{CC08CDAF-43AF-4E83-966D-CC61020EB812}"/>
+              </a:ext>
+            </a:extLst>
+          </p:cNvPr>
+          <p:cNvPicPr>
+            <a:picLocks noChangeAspect="1"/>
+          </p:cNvPicPr>
+          <p:nvPr/>
+        </p:nvPicPr>
+        <p:blipFill>
+          <a:blip r:embed="rId2"/>
+          <a:stretch>
+            <a:fillRect/>
+          </a:stretch>
+        </p:blipFill>
+        <p:spPr>
+          <a:xfrm>
+            <a:off x="530398" y="2387760"/>
+            <a:ext cx="6677957" cy="2438740"/>
+          </a:xfrm>
+          <a:prstGeom prst="rect">
+            <a:avLst/>
+          </a:prstGeom>
+        </p:spPr>
+      </p:pic>
+    </p:spTree>
+    <p:extLst>
+      <p:ext uri="{BB962C8B-B14F-4D97-AF65-F5344CB8AC3E}">
+        <p14:creationId xmlns:p14="http://schemas.microsoft.com/office/powerpoint/2010/main" val="2053861727"/>
+      </p:ext>
+    </p:extLst>
+  </p:cSld>
+  <p:clrMapOvr>
+    <a:masterClrMapping/>
+  </p:clrMapOvr>
+</p:sld>
+</file>
+
+<file path=ppt/slides/slide34.xml><?xml version="1.0" encoding="utf-8"?>
+<p:sld xmlns:a="http://schemas.openxmlformats.org/drawingml/2006/main" xmlns:r="http://schemas.openxmlformats.org/officeDocument/2006/relationships" xmlns:p="http://schemas.openxmlformats.org/presentationml/2006/main">
+  <p:cSld>
+    <p:spTree>
+      <p:nvGrpSpPr>
+        <p:cNvPr id="1" name=""/>
+        <p:cNvGrpSpPr/>
+        <p:nvPr/>
+      </p:nvGrpSpPr>
+      <p:grpSpPr>
+        <a:xfrm>
+          <a:off x="0" y="0"/>
+          <a:ext cx="0" cy="0"/>
+          <a:chOff x="0" y="0"/>
+          <a:chExt cx="0" cy="0"/>
+        </a:xfrm>
+      </p:grpSpPr>
+      <p:sp>
+        <p:nvSpPr>
+          <p:cNvPr id="2" name="Title 1">
+            <a:extLst>
+              <a:ext uri="{FF2B5EF4-FFF2-40B4-BE49-F238E27FC236}">
+                <a16:creationId xmlns:a16="http://schemas.microsoft.com/office/drawing/2014/main" id="{1B045CB6-49BD-413C-B478-73C9DFE8D3E3}"/>
+              </a:ext>
+            </a:extLst>
+          </p:cNvPr>
+          <p:cNvSpPr>
+            <a:spLocks noGrp="1"/>
+          </p:cNvSpPr>
+          <p:nvPr>
+            <p:ph type="title"/>
+          </p:nvPr>
+        </p:nvSpPr>
+        <p:spPr/>
+        <p:txBody>
+          <a:bodyPr/>
+          <a:lstStyle/>
+          <a:p>
+            <a:r>
+              <a:rPr lang="en-US" dirty="0"/>
+              <a:t>Part 2 Review</a:t>
+            </a:r>
+          </a:p>
+        </p:txBody>
+      </p:sp>
+      <p:sp>
+        <p:nvSpPr>
+          <p:cNvPr id="3" name="Content Placeholder 2">
+            <a:extLst>
+              <a:ext uri="{FF2B5EF4-FFF2-40B4-BE49-F238E27FC236}">
+                <a16:creationId xmlns:a16="http://schemas.microsoft.com/office/drawing/2014/main" id="{BA9B5C75-24D3-494B-9493-5260A78C66C2}"/>
+              </a:ext>
+            </a:extLst>
+          </p:cNvPr>
+          <p:cNvSpPr>
+            <a:spLocks noGrp="1"/>
+          </p:cNvSpPr>
+          <p:nvPr>
+            <p:ph idx="1"/>
+          </p:nvPr>
+        </p:nvSpPr>
+        <p:spPr/>
+        <p:txBody>
+          <a:bodyPr/>
+          <a:lstStyle/>
+          <a:p>
+            <a:r>
+              <a:rPr lang="en-US" dirty="0"/>
+              <a:t>Basic CMake syntax</a:t>
+            </a:r>
+          </a:p>
+          <a:p>
+            <a:pPr lvl="1"/>
+            <a:r>
+              <a:rPr lang="en-US" dirty="0"/>
+              <a:t>Variables, commands, whitespace</a:t>
+            </a:r>
+          </a:p>
+          <a:p>
+            <a:r>
+              <a:rPr lang="en-US" dirty="0"/>
+              <a:t>Directory structure</a:t>
+            </a:r>
+          </a:p>
+          <a:p>
+            <a:pPr lvl="1"/>
+            <a:r>
+              <a:rPr lang="en-US" dirty="0"/>
+              <a:t>source, binary, install</a:t>
+            </a:r>
+          </a:p>
+          <a:p>
+            <a:r>
+              <a:rPr lang="en-US" dirty="0"/>
+              <a:t>My First CMakeLists.txt</a:t>
+            </a:r>
+          </a:p>
+          <a:p>
+            <a:pPr lvl="1"/>
+            <a:endParaRPr lang="en-US" dirty="0"/>
+          </a:p>
+          <a:p>
+            <a:endParaRPr lang="en-US" dirty="0"/>
+          </a:p>
+        </p:txBody>
+      </p:sp>
+    </p:spTree>
+    <p:extLst>
+      <p:ext uri="{BB962C8B-B14F-4D97-AF65-F5344CB8AC3E}">
+        <p14:creationId xmlns:p14="http://schemas.microsoft.com/office/powerpoint/2010/main" val="3966606615"/>
+      </p:ext>
+    </p:extLst>
+  </p:cSld>
+  <p:clrMapOvr>
+    <a:masterClrMapping/>
+  </p:clrMapOvr>
+</p:sld>
+</file>
+
+<file path=ppt/slides/slide35.xml><?xml version="1.0" encoding="utf-8"?>
+<p:sld xmlns:a="http://schemas.openxmlformats.org/drawingml/2006/main" xmlns:r="http://schemas.openxmlformats.org/officeDocument/2006/relationships" xmlns:p="http://schemas.openxmlformats.org/presentationml/2006/main">
+  <p:cSld>
+    <p:spTree>
+      <p:nvGrpSpPr>
+        <p:cNvPr id="1" name=""/>
+        <p:cNvGrpSpPr/>
+        <p:nvPr/>
+      </p:nvGrpSpPr>
+      <p:grpSpPr>
+        <a:xfrm>
+          <a:off x="0" y="0"/>
+          <a:ext cx="0" cy="0"/>
+          <a:chOff x="0" y="0"/>
+          <a:chExt cx="0" cy="0"/>
+        </a:xfrm>
+      </p:grpSpPr>
+      <p:sp>
+        <p:nvSpPr>
+          <p:cNvPr id="2" name="Title 1">
+            <a:extLst>
+              <a:ext uri="{FF2B5EF4-FFF2-40B4-BE49-F238E27FC236}">
+                <a16:creationId xmlns:a16="http://schemas.microsoft.com/office/drawing/2014/main" id="{F1619D4E-A660-4B21-94B1-867F8624330E}"/>
+              </a:ext>
+            </a:extLst>
+          </p:cNvPr>
+          <p:cNvSpPr>
+            <a:spLocks noGrp="1"/>
+          </p:cNvSpPr>
+          <p:nvPr>
+            <p:ph type="title"/>
+          </p:nvPr>
+        </p:nvSpPr>
+        <p:spPr/>
+        <p:txBody>
+          <a:bodyPr/>
+          <a:lstStyle/>
+          <a:p>
+            <a:r>
+              <a:rPr lang="en-US" dirty="0"/>
+              <a:t>Session 1 Complete!</a:t>
+            </a:r>
+          </a:p>
+        </p:txBody>
+      </p:sp>
+      <p:sp>
+        <p:nvSpPr>
+          <p:cNvPr id="3" name="Content Placeholder 2">
+            <a:extLst>
+              <a:ext uri="{FF2B5EF4-FFF2-40B4-BE49-F238E27FC236}">
+                <a16:creationId xmlns:a16="http://schemas.microsoft.com/office/drawing/2014/main" id="{7A6AE7D1-7CEC-48FC-BF3E-A1D1789EC617}"/>
+              </a:ext>
+            </a:extLst>
+          </p:cNvPr>
+          <p:cNvSpPr>
+            <a:spLocks noGrp="1"/>
+          </p:cNvSpPr>
+          <p:nvPr>
+            <p:ph idx="1"/>
+          </p:nvPr>
+        </p:nvSpPr>
+        <p:spPr/>
+        <p:txBody>
+          <a:bodyPr/>
+          <a:lstStyle/>
+          <a:p>
+            <a:r>
+              <a:rPr lang="en-US" dirty="0"/>
+              <a:t>Nice work!</a:t>
+            </a:r>
+          </a:p>
+          <a:p>
+            <a:r>
+              <a:rPr lang="en-US" dirty="0"/>
+              <a:t>Any questions?</a:t>
+            </a:r>
+          </a:p>
+        </p:txBody>
+      </p:sp>
+    </p:spTree>
+    <p:extLst>
+      <p:ext uri="{BB962C8B-B14F-4D97-AF65-F5344CB8AC3E}">
+        <p14:creationId xmlns:p14="http://schemas.microsoft.com/office/powerpoint/2010/main" val="1639341457"/>
       </p:ext>
     </p:extLst>
   </p:cSld>
@@ -8927,7 +12420,7 @@
               <a:rPr lang="en-US" dirty="0">
                 <a:solidFill>
                   <a:schemeClr val="tx1">
-                    <a:lumMod val="50000"/>
+                    <a:lumMod val="75000"/>
                   </a:schemeClr>
                 </a:solidFill>
               </a:rPr>

--- a/Session 1 - CMake and Building CXX.pptx
+++ b/Session 1 - CMake and Building CXX.pptx
@@ -138,6 +138,11 @@
       </a:defRPr>
     </a:lvl9pPr>
   </p:defaultTextStyle>
+  <p:extLst>
+    <p:ext uri="{EFAFB233-063F-42B5-8137-9DF3F51BA10A}">
+      <p15:sldGuideLst xmlns:p15="http://schemas.microsoft.com/office/powerpoint/2012/main"/>
+    </p:ext>
+  </p:extLst>
 </p:presentation>
 </file>
 
@@ -371,7 +376,7 @@
             <a:fld id="{B61BEF0D-F0BB-DE4B-95CE-6DB70DBA9567}" type="datetimeFigureOut">
               <a:rPr lang="en-US" dirty="0"/>
               <a:pPr/>
-              <a:t>3/28/2020</a:t>
+              <a:t>3/29/2020</a:t>
             </a:fld>
             <a:endParaRPr lang="en-US" dirty="0"/>
           </a:p>
@@ -702,7 +707,7 @@
             <a:fld id="{B61BEF0D-F0BB-DE4B-95CE-6DB70DBA9567}" type="datetimeFigureOut">
               <a:rPr lang="en-US" dirty="0"/>
               <a:pPr/>
-              <a:t>3/28/2020</a:t>
+              <a:t>3/29/2020</a:t>
             </a:fld>
             <a:endParaRPr lang="en-US" dirty="0"/>
           </a:p>
@@ -977,7 +982,7 @@
             <a:fld id="{B61BEF0D-F0BB-DE4B-95CE-6DB70DBA9567}" type="datetimeFigureOut">
               <a:rPr lang="en-US" dirty="0"/>
               <a:pPr/>
-              <a:t>3/28/2020</a:t>
+              <a:t>3/29/2020</a:t>
             </a:fld>
             <a:endParaRPr lang="en-US" dirty="0"/>
           </a:p>
@@ -1542,7 +1547,7 @@
             <a:fld id="{B61BEF0D-F0BB-DE4B-95CE-6DB70DBA9567}" type="datetimeFigureOut">
               <a:rPr lang="en-US" dirty="0"/>
               <a:pPr/>
-              <a:t>3/28/2020</a:t>
+              <a:t>3/29/2020</a:t>
             </a:fld>
             <a:endParaRPr lang="en-US" dirty="0"/>
           </a:p>
@@ -1817,7 +1822,7 @@
             <a:fld id="{B61BEF0D-F0BB-DE4B-95CE-6DB70DBA9567}" type="datetimeFigureOut">
               <a:rPr lang="en-US" dirty="0"/>
               <a:pPr/>
-              <a:t>3/28/2020</a:t>
+              <a:t>3/29/2020</a:t>
             </a:fld>
             <a:endParaRPr lang="en-US" dirty="0"/>
           </a:p>
@@ -2376,7 +2381,7 @@
             <a:fld id="{B61BEF0D-F0BB-DE4B-95CE-6DB70DBA9567}" type="datetimeFigureOut">
               <a:rPr lang="en-US" dirty="0"/>
               <a:pPr/>
-              <a:t>3/28/2020</a:t>
+              <a:t>3/29/2020</a:t>
             </a:fld>
             <a:endParaRPr lang="en-US" dirty="0"/>
           </a:p>
@@ -2700,7 +2705,7 @@
             <a:fld id="{B61BEF0D-F0BB-DE4B-95CE-6DB70DBA9567}" type="datetimeFigureOut">
               <a:rPr lang="en-US" dirty="0"/>
               <a:pPr/>
-              <a:t>3/28/2020</a:t>
+              <a:t>3/29/2020</a:t>
             </a:fld>
             <a:endParaRPr lang="en-US" dirty="0"/>
           </a:p>
@@ -2874,7 +2879,7 @@
             <a:fld id="{B61BEF0D-F0BB-DE4B-95CE-6DB70DBA9567}" type="datetimeFigureOut">
               <a:rPr lang="en-US" dirty="0"/>
               <a:pPr/>
-              <a:t>3/28/2020</a:t>
+              <a:t>3/29/2020</a:t>
             </a:fld>
             <a:endParaRPr lang="en-US" dirty="0"/>
           </a:p>
@@ -3109,7 +3114,7 @@
             <a:fld id="{B61BEF0D-F0BB-DE4B-95CE-6DB70DBA9567}" type="datetimeFigureOut">
               <a:rPr lang="en-US" dirty="0"/>
               <a:pPr/>
-              <a:t>3/28/2020</a:t>
+              <a:t>3/29/2020</a:t>
             </a:fld>
             <a:endParaRPr lang="en-US" dirty="0"/>
           </a:p>
@@ -3306,7 +3311,7 @@
             <a:fld id="{B61BEF0D-F0BB-DE4B-95CE-6DB70DBA9567}" type="datetimeFigureOut">
               <a:rPr lang="en-US" dirty="0"/>
               <a:pPr/>
-              <a:t>3/28/2020</a:t>
+              <a:t>3/29/2020</a:t>
             </a:fld>
             <a:endParaRPr lang="en-US" dirty="0"/>
           </a:p>
@@ -3580,7 +3585,7 @@
             <a:fld id="{B61BEF0D-F0BB-DE4B-95CE-6DB70DBA9567}" type="datetimeFigureOut">
               <a:rPr lang="en-US" dirty="0"/>
               <a:pPr/>
-              <a:t>3/28/2020</a:t>
+              <a:t>3/29/2020</a:t>
             </a:fld>
             <a:endParaRPr lang="en-US" dirty="0"/>
           </a:p>
@@ -3843,7 +3848,7 @@
             <a:fld id="{B61BEF0D-F0BB-DE4B-95CE-6DB70DBA9567}" type="datetimeFigureOut">
               <a:rPr lang="en-US" dirty="0"/>
               <a:pPr/>
-              <a:t>3/28/2020</a:t>
+              <a:t>3/29/2020</a:t>
             </a:fld>
             <a:endParaRPr lang="en-US" dirty="0"/>
           </a:p>
@@ -4214,7 +4219,7 @@
             <a:fld id="{B61BEF0D-F0BB-DE4B-95CE-6DB70DBA9567}" type="datetimeFigureOut">
               <a:rPr lang="en-US" dirty="0"/>
               <a:pPr/>
-              <a:t>3/28/2020</a:t>
+              <a:t>3/29/2020</a:t>
             </a:fld>
             <a:endParaRPr lang="en-US" dirty="0"/>
           </a:p>
@@ -4359,7 +4364,7 @@
             <a:fld id="{B61BEF0D-F0BB-DE4B-95CE-6DB70DBA9567}" type="datetimeFigureOut">
               <a:rPr lang="en-US" dirty="0"/>
               <a:pPr/>
-              <a:t>3/28/2020</a:t>
+              <a:t>3/29/2020</a:t>
             </a:fld>
             <a:endParaRPr lang="en-US" dirty="0"/>
           </a:p>
@@ -4481,7 +4486,7 @@
             <a:fld id="{B61BEF0D-F0BB-DE4B-95CE-6DB70DBA9567}" type="datetimeFigureOut">
               <a:rPr lang="en-US" dirty="0"/>
               <a:pPr/>
-              <a:t>3/28/2020</a:t>
+              <a:t>3/29/2020</a:t>
             </a:fld>
             <a:endParaRPr lang="en-US" dirty="0"/>
           </a:p>
@@ -4763,7 +4768,7 @@
             <a:fld id="{B61BEF0D-F0BB-DE4B-95CE-6DB70DBA9567}" type="datetimeFigureOut">
               <a:rPr lang="en-US" dirty="0"/>
               <a:pPr/>
-              <a:t>3/28/2020</a:t>
+              <a:t>3/29/2020</a:t>
             </a:fld>
             <a:endParaRPr lang="en-US" dirty="0"/>
           </a:p>
@@ -5084,7 +5089,7 @@
             <a:fld id="{B61BEF0D-F0BB-DE4B-95CE-6DB70DBA9567}" type="datetimeFigureOut">
               <a:rPr lang="en-US" dirty="0"/>
               <a:pPr/>
-              <a:t>3/28/2020</a:t>
+              <a:t>3/29/2020</a:t>
             </a:fld>
             <a:endParaRPr lang="en-US" dirty="0"/>
           </a:p>
@@ -5293,7 +5298,7 @@
             <a:fld id="{B61BEF0D-F0BB-DE4B-95CE-6DB70DBA9567}" type="datetimeFigureOut">
               <a:rPr lang="en-US" dirty="0"/>
               <a:pPr/>
-              <a:t>3/28/2020</a:t>
+              <a:t>3/29/2020</a:t>
             </a:fld>
             <a:endParaRPr lang="en-US" dirty="0"/>
           </a:p>
@@ -8901,13 +8906,18 @@
             </a:r>
             <a:r>
               <a:rPr lang="en-US" dirty="0"/>
-              <a:t>software project.  You cannot write any serious code without a good build system.</a:t>
-            </a:r>
-          </a:p>
-          <a:p>
-            <a:r>
-              <a:rPr lang="en-US" dirty="0"/>
-              <a:t>If you can stick it out through this series of 4 lectures, you will know more about C++ build systems than 75% of professional software engineers (if Qualcomm is any judge)</a:t>
+              <a:t>software project.  You cannot write any serious code without a good build </a:t>
+            </a:r>
+            <a:r>
+              <a:rPr lang="en-US"/>
+              <a:t>system supporting you.</a:t>
+            </a:r>
+            <a:endParaRPr lang="en-US" dirty="0"/>
+          </a:p>
+          <a:p>
+            <a:r>
+              <a:rPr lang="en-US" dirty="0"/>
+              <a:t>If you can stick it out through this series of 5 lectures, you will know more about C++ build systems than 75% of professional software engineers (if Qualcomm is any judge)</a:t>
             </a:r>
           </a:p>
           <a:p>

--- a/Session 1 - CMake and Building CXX.pptx
+++ b/Session 1 - CMake and Building CXX.pptx
@@ -376,7 +376,7 @@
             <a:fld id="{B61BEF0D-F0BB-DE4B-95CE-6DB70DBA9567}" type="datetimeFigureOut">
               <a:rPr lang="en-US" dirty="0"/>
               <a:pPr/>
-              <a:t>3/29/2020</a:t>
+              <a:t>4/1/2020</a:t>
             </a:fld>
             <a:endParaRPr lang="en-US" dirty="0"/>
           </a:p>
@@ -707,7 +707,7 @@
             <a:fld id="{B61BEF0D-F0BB-DE4B-95CE-6DB70DBA9567}" type="datetimeFigureOut">
               <a:rPr lang="en-US" dirty="0"/>
               <a:pPr/>
-              <a:t>3/29/2020</a:t>
+              <a:t>4/1/2020</a:t>
             </a:fld>
             <a:endParaRPr lang="en-US" dirty="0"/>
           </a:p>
@@ -982,7 +982,7 @@
             <a:fld id="{B61BEF0D-F0BB-DE4B-95CE-6DB70DBA9567}" type="datetimeFigureOut">
               <a:rPr lang="en-US" dirty="0"/>
               <a:pPr/>
-              <a:t>3/29/2020</a:t>
+              <a:t>4/1/2020</a:t>
             </a:fld>
             <a:endParaRPr lang="en-US" dirty="0"/>
           </a:p>
@@ -1547,7 +1547,7 @@
             <a:fld id="{B61BEF0D-F0BB-DE4B-95CE-6DB70DBA9567}" type="datetimeFigureOut">
               <a:rPr lang="en-US" dirty="0"/>
               <a:pPr/>
-              <a:t>3/29/2020</a:t>
+              <a:t>4/1/2020</a:t>
             </a:fld>
             <a:endParaRPr lang="en-US" dirty="0"/>
           </a:p>
@@ -1822,7 +1822,7 @@
             <a:fld id="{B61BEF0D-F0BB-DE4B-95CE-6DB70DBA9567}" type="datetimeFigureOut">
               <a:rPr lang="en-US" dirty="0"/>
               <a:pPr/>
-              <a:t>3/29/2020</a:t>
+              <a:t>4/1/2020</a:t>
             </a:fld>
             <a:endParaRPr lang="en-US" dirty="0"/>
           </a:p>
@@ -2381,7 +2381,7 @@
             <a:fld id="{B61BEF0D-F0BB-DE4B-95CE-6DB70DBA9567}" type="datetimeFigureOut">
               <a:rPr lang="en-US" dirty="0"/>
               <a:pPr/>
-              <a:t>3/29/2020</a:t>
+              <a:t>4/1/2020</a:t>
             </a:fld>
             <a:endParaRPr lang="en-US" dirty="0"/>
           </a:p>
@@ -2705,7 +2705,7 @@
             <a:fld id="{B61BEF0D-F0BB-DE4B-95CE-6DB70DBA9567}" type="datetimeFigureOut">
               <a:rPr lang="en-US" dirty="0"/>
               <a:pPr/>
-              <a:t>3/29/2020</a:t>
+              <a:t>4/1/2020</a:t>
             </a:fld>
             <a:endParaRPr lang="en-US" dirty="0"/>
           </a:p>
@@ -2879,7 +2879,7 @@
             <a:fld id="{B61BEF0D-F0BB-DE4B-95CE-6DB70DBA9567}" type="datetimeFigureOut">
               <a:rPr lang="en-US" dirty="0"/>
               <a:pPr/>
-              <a:t>3/29/2020</a:t>
+              <a:t>4/1/2020</a:t>
             </a:fld>
             <a:endParaRPr lang="en-US" dirty="0"/>
           </a:p>
@@ -3114,7 +3114,7 @@
             <a:fld id="{B61BEF0D-F0BB-DE4B-95CE-6DB70DBA9567}" type="datetimeFigureOut">
               <a:rPr lang="en-US" dirty="0"/>
               <a:pPr/>
-              <a:t>3/29/2020</a:t>
+              <a:t>4/1/2020</a:t>
             </a:fld>
             <a:endParaRPr lang="en-US" dirty="0"/>
           </a:p>
@@ -3311,7 +3311,7 @@
             <a:fld id="{B61BEF0D-F0BB-DE4B-95CE-6DB70DBA9567}" type="datetimeFigureOut">
               <a:rPr lang="en-US" dirty="0"/>
               <a:pPr/>
-              <a:t>3/29/2020</a:t>
+              <a:t>4/1/2020</a:t>
             </a:fld>
             <a:endParaRPr lang="en-US" dirty="0"/>
           </a:p>
@@ -3585,7 +3585,7 @@
             <a:fld id="{B61BEF0D-F0BB-DE4B-95CE-6DB70DBA9567}" type="datetimeFigureOut">
               <a:rPr lang="en-US" dirty="0"/>
               <a:pPr/>
-              <a:t>3/29/2020</a:t>
+              <a:t>4/1/2020</a:t>
             </a:fld>
             <a:endParaRPr lang="en-US" dirty="0"/>
           </a:p>
@@ -3848,7 +3848,7 @@
             <a:fld id="{B61BEF0D-F0BB-DE4B-95CE-6DB70DBA9567}" type="datetimeFigureOut">
               <a:rPr lang="en-US" dirty="0"/>
               <a:pPr/>
-              <a:t>3/29/2020</a:t>
+              <a:t>4/1/2020</a:t>
             </a:fld>
             <a:endParaRPr lang="en-US" dirty="0"/>
           </a:p>
@@ -4219,7 +4219,7 @@
             <a:fld id="{B61BEF0D-F0BB-DE4B-95CE-6DB70DBA9567}" type="datetimeFigureOut">
               <a:rPr lang="en-US" dirty="0"/>
               <a:pPr/>
-              <a:t>3/29/2020</a:t>
+              <a:t>4/1/2020</a:t>
             </a:fld>
             <a:endParaRPr lang="en-US" dirty="0"/>
           </a:p>
@@ -4364,7 +4364,7 @@
             <a:fld id="{B61BEF0D-F0BB-DE4B-95CE-6DB70DBA9567}" type="datetimeFigureOut">
               <a:rPr lang="en-US" dirty="0"/>
               <a:pPr/>
-              <a:t>3/29/2020</a:t>
+              <a:t>4/1/2020</a:t>
             </a:fld>
             <a:endParaRPr lang="en-US" dirty="0"/>
           </a:p>
@@ -4486,7 +4486,7 @@
             <a:fld id="{B61BEF0D-F0BB-DE4B-95CE-6DB70DBA9567}" type="datetimeFigureOut">
               <a:rPr lang="en-US" dirty="0"/>
               <a:pPr/>
-              <a:t>3/29/2020</a:t>
+              <a:t>4/1/2020</a:t>
             </a:fld>
             <a:endParaRPr lang="en-US" dirty="0"/>
           </a:p>
@@ -4768,7 +4768,7 @@
             <a:fld id="{B61BEF0D-F0BB-DE4B-95CE-6DB70DBA9567}" type="datetimeFigureOut">
               <a:rPr lang="en-US" dirty="0"/>
               <a:pPr/>
-              <a:t>3/29/2020</a:t>
+              <a:t>4/1/2020</a:t>
             </a:fld>
             <a:endParaRPr lang="en-US" dirty="0"/>
           </a:p>
@@ -5089,7 +5089,7 @@
             <a:fld id="{B61BEF0D-F0BB-DE4B-95CE-6DB70DBA9567}" type="datetimeFigureOut">
               <a:rPr lang="en-US" dirty="0"/>
               <a:pPr/>
-              <a:t>3/29/2020</a:t>
+              <a:t>4/1/2020</a:t>
             </a:fld>
             <a:endParaRPr lang="en-US" dirty="0"/>
           </a:p>
@@ -5298,7 +5298,7 @@
             <a:fld id="{B61BEF0D-F0BB-DE4B-95CE-6DB70DBA9567}" type="datetimeFigureOut">
               <a:rPr lang="en-US" dirty="0"/>
               <a:pPr/>
-              <a:t>3/29/2020</a:t>
+              <a:t>4/1/2020</a:t>
             </a:fld>
             <a:endParaRPr lang="en-US" dirty="0"/>
           </a:p>
@@ -7880,7 +7880,7 @@
           <p:nvPr>
             <p:extLst>
               <p:ext uri="{D42A27DB-BD31-4B8C-83A1-F6EECF244321}">
-                <p14:modId xmlns:p14="http://schemas.microsoft.com/office/powerpoint/2010/main" val="1261551768"/>
+                <p14:modId xmlns:p14="http://schemas.microsoft.com/office/powerpoint/2010/main" val="3646352091"/>
               </p:ext>
             </p:extLst>
           </p:nvPr>
@@ -7974,7 +7974,7 @@
                         <a:rPr lang="en-US" dirty="0">
                           <a:latin typeface="Consolas" panose="020B0609020204030204" pitchFamily="49" charset="0"/>
                         </a:rPr>
-                        <a:t>-I</a:t>
+                        <a:t>-I&lt;folder&gt;</a:t>
                       </a:r>
                     </a:p>
                   </a:txBody>
@@ -8030,7 +8030,7 @@
                         <a:rPr lang="en-US" dirty="0">
                           <a:latin typeface="Consolas" panose="020B0609020204030204" pitchFamily="49" charset="0"/>
                         </a:rPr>
-                        <a:t>-o</a:t>
+                        <a:t>-o &lt;name&gt;</a:t>
                       </a:r>
                     </a:p>
                   </a:txBody>
@@ -8583,8 +8583,8 @@
               <a:t>.  CMake projects can be loaded into may different IDEs, such as </a:t>
             </a:r>
             <a:r>
-              <a:rPr lang="en-US" dirty="0" err="1"/>
-              <a:t>Clion</a:t>
+              <a:rPr lang="en-US"/>
+              <a:t>CLion</a:t>
             </a:r>
             <a:r>
               <a:rPr lang="en-US" dirty="0"/>
@@ -8906,13 +8906,8 @@
             </a:r>
             <a:r>
               <a:rPr lang="en-US" dirty="0"/>
-              <a:t>software project.  You cannot write any serious code without a good build </a:t>
-            </a:r>
-            <a:r>
-              <a:rPr lang="en-US"/>
-              <a:t>system supporting you.</a:t>
-            </a:r>
-            <a:endParaRPr lang="en-US" dirty="0"/>
+              <a:t>software project.  You cannot write any serious code without a good build system supporting you.</a:t>
+            </a:r>
           </a:p>
           <a:p>
             <a:r>

--- a/Session 1 - CMake and Building CXX.pptx
+++ b/Session 1 - CMake and Building CXX.pptx
@@ -376,7 +376,7 @@
             <a:fld id="{B61BEF0D-F0BB-DE4B-95CE-6DB70DBA9567}" type="datetimeFigureOut">
               <a:rPr lang="en-US" dirty="0"/>
               <a:pPr/>
-              <a:t>4/1/2020</a:t>
+              <a:t>4/2/2020</a:t>
             </a:fld>
             <a:endParaRPr lang="en-US" dirty="0"/>
           </a:p>
@@ -707,7 +707,7 @@
             <a:fld id="{B61BEF0D-F0BB-DE4B-95CE-6DB70DBA9567}" type="datetimeFigureOut">
               <a:rPr lang="en-US" dirty="0"/>
               <a:pPr/>
-              <a:t>4/1/2020</a:t>
+              <a:t>4/2/2020</a:t>
             </a:fld>
             <a:endParaRPr lang="en-US" dirty="0"/>
           </a:p>
@@ -982,7 +982,7 @@
             <a:fld id="{B61BEF0D-F0BB-DE4B-95CE-6DB70DBA9567}" type="datetimeFigureOut">
               <a:rPr lang="en-US" dirty="0"/>
               <a:pPr/>
-              <a:t>4/1/2020</a:t>
+              <a:t>4/2/2020</a:t>
             </a:fld>
             <a:endParaRPr lang="en-US" dirty="0"/>
           </a:p>
@@ -1547,7 +1547,7 @@
             <a:fld id="{B61BEF0D-F0BB-DE4B-95CE-6DB70DBA9567}" type="datetimeFigureOut">
               <a:rPr lang="en-US" dirty="0"/>
               <a:pPr/>
-              <a:t>4/1/2020</a:t>
+              <a:t>4/2/2020</a:t>
             </a:fld>
             <a:endParaRPr lang="en-US" dirty="0"/>
           </a:p>
@@ -1822,7 +1822,7 @@
             <a:fld id="{B61BEF0D-F0BB-DE4B-95CE-6DB70DBA9567}" type="datetimeFigureOut">
               <a:rPr lang="en-US" dirty="0"/>
               <a:pPr/>
-              <a:t>4/1/2020</a:t>
+              <a:t>4/2/2020</a:t>
             </a:fld>
             <a:endParaRPr lang="en-US" dirty="0"/>
           </a:p>
@@ -2381,7 +2381,7 @@
             <a:fld id="{B61BEF0D-F0BB-DE4B-95CE-6DB70DBA9567}" type="datetimeFigureOut">
               <a:rPr lang="en-US" dirty="0"/>
               <a:pPr/>
-              <a:t>4/1/2020</a:t>
+              <a:t>4/2/2020</a:t>
             </a:fld>
             <a:endParaRPr lang="en-US" dirty="0"/>
           </a:p>
@@ -2705,7 +2705,7 @@
             <a:fld id="{B61BEF0D-F0BB-DE4B-95CE-6DB70DBA9567}" type="datetimeFigureOut">
               <a:rPr lang="en-US" dirty="0"/>
               <a:pPr/>
-              <a:t>4/1/2020</a:t>
+              <a:t>4/2/2020</a:t>
             </a:fld>
             <a:endParaRPr lang="en-US" dirty="0"/>
           </a:p>
@@ -2879,7 +2879,7 @@
             <a:fld id="{B61BEF0D-F0BB-DE4B-95CE-6DB70DBA9567}" type="datetimeFigureOut">
               <a:rPr lang="en-US" dirty="0"/>
               <a:pPr/>
-              <a:t>4/1/2020</a:t>
+              <a:t>4/2/2020</a:t>
             </a:fld>
             <a:endParaRPr lang="en-US" dirty="0"/>
           </a:p>
@@ -3114,7 +3114,7 @@
             <a:fld id="{B61BEF0D-F0BB-DE4B-95CE-6DB70DBA9567}" type="datetimeFigureOut">
               <a:rPr lang="en-US" dirty="0"/>
               <a:pPr/>
-              <a:t>4/1/2020</a:t>
+              <a:t>4/2/2020</a:t>
             </a:fld>
             <a:endParaRPr lang="en-US" dirty="0"/>
           </a:p>
@@ -3311,7 +3311,7 @@
             <a:fld id="{B61BEF0D-F0BB-DE4B-95CE-6DB70DBA9567}" type="datetimeFigureOut">
               <a:rPr lang="en-US" dirty="0"/>
               <a:pPr/>
-              <a:t>4/1/2020</a:t>
+              <a:t>4/2/2020</a:t>
             </a:fld>
             <a:endParaRPr lang="en-US" dirty="0"/>
           </a:p>
@@ -3585,7 +3585,7 @@
             <a:fld id="{B61BEF0D-F0BB-DE4B-95CE-6DB70DBA9567}" type="datetimeFigureOut">
               <a:rPr lang="en-US" dirty="0"/>
               <a:pPr/>
-              <a:t>4/1/2020</a:t>
+              <a:t>4/2/2020</a:t>
             </a:fld>
             <a:endParaRPr lang="en-US" dirty="0"/>
           </a:p>
@@ -3848,7 +3848,7 @@
             <a:fld id="{B61BEF0D-F0BB-DE4B-95CE-6DB70DBA9567}" type="datetimeFigureOut">
               <a:rPr lang="en-US" dirty="0"/>
               <a:pPr/>
-              <a:t>4/1/2020</a:t>
+              <a:t>4/2/2020</a:t>
             </a:fld>
             <a:endParaRPr lang="en-US" dirty="0"/>
           </a:p>
@@ -4219,7 +4219,7 @@
             <a:fld id="{B61BEF0D-F0BB-DE4B-95CE-6DB70DBA9567}" type="datetimeFigureOut">
               <a:rPr lang="en-US" dirty="0"/>
               <a:pPr/>
-              <a:t>4/1/2020</a:t>
+              <a:t>4/2/2020</a:t>
             </a:fld>
             <a:endParaRPr lang="en-US" dirty="0"/>
           </a:p>
@@ -4364,7 +4364,7 @@
             <a:fld id="{B61BEF0D-F0BB-DE4B-95CE-6DB70DBA9567}" type="datetimeFigureOut">
               <a:rPr lang="en-US" dirty="0"/>
               <a:pPr/>
-              <a:t>4/1/2020</a:t>
+              <a:t>4/2/2020</a:t>
             </a:fld>
             <a:endParaRPr lang="en-US" dirty="0"/>
           </a:p>
@@ -4486,7 +4486,7 @@
             <a:fld id="{B61BEF0D-F0BB-DE4B-95CE-6DB70DBA9567}" type="datetimeFigureOut">
               <a:rPr lang="en-US" dirty="0"/>
               <a:pPr/>
-              <a:t>4/1/2020</a:t>
+              <a:t>4/2/2020</a:t>
             </a:fld>
             <a:endParaRPr lang="en-US" dirty="0"/>
           </a:p>
@@ -4768,7 +4768,7 @@
             <a:fld id="{B61BEF0D-F0BB-DE4B-95CE-6DB70DBA9567}" type="datetimeFigureOut">
               <a:rPr lang="en-US" dirty="0"/>
               <a:pPr/>
-              <a:t>4/1/2020</a:t>
+              <a:t>4/2/2020</a:t>
             </a:fld>
             <a:endParaRPr lang="en-US" dirty="0"/>
           </a:p>
@@ -5089,7 +5089,7 @@
             <a:fld id="{B61BEF0D-F0BB-DE4B-95CE-6DB70DBA9567}" type="datetimeFigureOut">
               <a:rPr lang="en-US" dirty="0"/>
               <a:pPr/>
-              <a:t>4/1/2020</a:t>
+              <a:t>4/2/2020</a:t>
             </a:fld>
             <a:endParaRPr lang="en-US" dirty="0"/>
           </a:p>
@@ -5298,7 +5298,7 @@
             <a:fld id="{B61BEF0D-F0BB-DE4B-95CE-6DB70DBA9567}" type="datetimeFigureOut">
               <a:rPr lang="en-US" dirty="0"/>
               <a:pPr/>
-              <a:t>4/1/2020</a:t>
+              <a:t>4/2/2020</a:t>
             </a:fld>
             <a:endParaRPr lang="en-US" dirty="0"/>
           </a:p>
@@ -7414,7 +7414,7 @@
           <p:nvPr>
             <p:extLst>
               <p:ext uri="{D42A27DB-BD31-4B8C-83A1-F6EECF244321}">
-                <p14:modId xmlns:p14="http://schemas.microsoft.com/office/powerpoint/2010/main" val="2064338260"/>
+                <p14:modId xmlns:p14="http://schemas.microsoft.com/office/powerpoint/2010/main" val="3217447327"/>
               </p:ext>
             </p:extLst>
           </p:nvPr>
@@ -7663,11 +7663,11 @@
                     <a:p>
                       <a:r>
                         <a:rPr lang="en-US" dirty="0"/>
-                        <a:t>-g3 generates even more debugging info for more detailed views, at the cost of making your code </a:t>
+                        <a:t>-g3 generates even more debugging info for more detailed views, at the cost of making your </a:t>
                       </a:r>
                       <a:r>
-                        <a:rPr lang="en-US" dirty="0" err="1"/>
-                        <a:t>larget</a:t>
+                        <a:rPr lang="en-US"/>
+                        <a:t>code larger.</a:t>
                       </a:r>
                       <a:endParaRPr lang="en-US" dirty="0"/>
                     </a:p>
@@ -12066,7 +12066,7 @@
         <p:spPr>
           <a:xfrm>
             <a:off x="530398" y="2387760"/>
-            <a:ext cx="6677957" cy="2438740"/>
+            <a:ext cx="10491829" cy="3831538"/>
           </a:xfrm>
           <a:prstGeom prst="rect">
             <a:avLst/>

--- a/Session 1 - CMake and Building CXX.pptx
+++ b/Session 1 - CMake and Building CXX.pptx
@@ -376,7 +376,7 @@
             <a:fld id="{B61BEF0D-F0BB-DE4B-95CE-6DB70DBA9567}" type="datetimeFigureOut">
               <a:rPr lang="en-US" dirty="0"/>
               <a:pPr/>
-              <a:t>4/2/2020</a:t>
+              <a:t>4/9/2020</a:t>
             </a:fld>
             <a:endParaRPr lang="en-US" dirty="0"/>
           </a:p>
@@ -707,7 +707,7 @@
             <a:fld id="{B61BEF0D-F0BB-DE4B-95CE-6DB70DBA9567}" type="datetimeFigureOut">
               <a:rPr lang="en-US" dirty="0"/>
               <a:pPr/>
-              <a:t>4/2/2020</a:t>
+              <a:t>4/9/2020</a:t>
             </a:fld>
             <a:endParaRPr lang="en-US" dirty="0"/>
           </a:p>
@@ -982,7 +982,7 @@
             <a:fld id="{B61BEF0D-F0BB-DE4B-95CE-6DB70DBA9567}" type="datetimeFigureOut">
               <a:rPr lang="en-US" dirty="0"/>
               <a:pPr/>
-              <a:t>4/2/2020</a:t>
+              <a:t>4/9/2020</a:t>
             </a:fld>
             <a:endParaRPr lang="en-US" dirty="0"/>
           </a:p>
@@ -1547,7 +1547,7 @@
             <a:fld id="{B61BEF0D-F0BB-DE4B-95CE-6DB70DBA9567}" type="datetimeFigureOut">
               <a:rPr lang="en-US" dirty="0"/>
               <a:pPr/>
-              <a:t>4/2/2020</a:t>
+              <a:t>4/9/2020</a:t>
             </a:fld>
             <a:endParaRPr lang="en-US" dirty="0"/>
           </a:p>
@@ -1822,7 +1822,7 @@
             <a:fld id="{B61BEF0D-F0BB-DE4B-95CE-6DB70DBA9567}" type="datetimeFigureOut">
               <a:rPr lang="en-US" dirty="0"/>
               <a:pPr/>
-              <a:t>4/2/2020</a:t>
+              <a:t>4/9/2020</a:t>
             </a:fld>
             <a:endParaRPr lang="en-US" dirty="0"/>
           </a:p>
@@ -2381,7 +2381,7 @@
             <a:fld id="{B61BEF0D-F0BB-DE4B-95CE-6DB70DBA9567}" type="datetimeFigureOut">
               <a:rPr lang="en-US" dirty="0"/>
               <a:pPr/>
-              <a:t>4/2/2020</a:t>
+              <a:t>4/9/2020</a:t>
             </a:fld>
             <a:endParaRPr lang="en-US" dirty="0"/>
           </a:p>
@@ -2705,7 +2705,7 @@
             <a:fld id="{B61BEF0D-F0BB-DE4B-95CE-6DB70DBA9567}" type="datetimeFigureOut">
               <a:rPr lang="en-US" dirty="0"/>
               <a:pPr/>
-              <a:t>4/2/2020</a:t>
+              <a:t>4/9/2020</a:t>
             </a:fld>
             <a:endParaRPr lang="en-US" dirty="0"/>
           </a:p>
@@ -2879,7 +2879,7 @@
             <a:fld id="{B61BEF0D-F0BB-DE4B-95CE-6DB70DBA9567}" type="datetimeFigureOut">
               <a:rPr lang="en-US" dirty="0"/>
               <a:pPr/>
-              <a:t>4/2/2020</a:t>
+              <a:t>4/9/2020</a:t>
             </a:fld>
             <a:endParaRPr lang="en-US" dirty="0"/>
           </a:p>
@@ -3114,7 +3114,7 @@
             <a:fld id="{B61BEF0D-F0BB-DE4B-95CE-6DB70DBA9567}" type="datetimeFigureOut">
               <a:rPr lang="en-US" dirty="0"/>
               <a:pPr/>
-              <a:t>4/2/2020</a:t>
+              <a:t>4/9/2020</a:t>
             </a:fld>
             <a:endParaRPr lang="en-US" dirty="0"/>
           </a:p>
@@ -3311,7 +3311,7 @@
             <a:fld id="{B61BEF0D-F0BB-DE4B-95CE-6DB70DBA9567}" type="datetimeFigureOut">
               <a:rPr lang="en-US" dirty="0"/>
               <a:pPr/>
-              <a:t>4/2/2020</a:t>
+              <a:t>4/9/2020</a:t>
             </a:fld>
             <a:endParaRPr lang="en-US" dirty="0"/>
           </a:p>
@@ -3585,7 +3585,7 @@
             <a:fld id="{B61BEF0D-F0BB-DE4B-95CE-6DB70DBA9567}" type="datetimeFigureOut">
               <a:rPr lang="en-US" dirty="0"/>
               <a:pPr/>
-              <a:t>4/2/2020</a:t>
+              <a:t>4/9/2020</a:t>
             </a:fld>
             <a:endParaRPr lang="en-US" dirty="0"/>
           </a:p>
@@ -3848,7 +3848,7 @@
             <a:fld id="{B61BEF0D-F0BB-DE4B-95CE-6DB70DBA9567}" type="datetimeFigureOut">
               <a:rPr lang="en-US" dirty="0"/>
               <a:pPr/>
-              <a:t>4/2/2020</a:t>
+              <a:t>4/9/2020</a:t>
             </a:fld>
             <a:endParaRPr lang="en-US" dirty="0"/>
           </a:p>
@@ -4219,7 +4219,7 @@
             <a:fld id="{B61BEF0D-F0BB-DE4B-95CE-6DB70DBA9567}" type="datetimeFigureOut">
               <a:rPr lang="en-US" dirty="0"/>
               <a:pPr/>
-              <a:t>4/2/2020</a:t>
+              <a:t>4/9/2020</a:t>
             </a:fld>
             <a:endParaRPr lang="en-US" dirty="0"/>
           </a:p>
@@ -4364,7 +4364,7 @@
             <a:fld id="{B61BEF0D-F0BB-DE4B-95CE-6DB70DBA9567}" type="datetimeFigureOut">
               <a:rPr lang="en-US" dirty="0"/>
               <a:pPr/>
-              <a:t>4/2/2020</a:t>
+              <a:t>4/9/2020</a:t>
             </a:fld>
             <a:endParaRPr lang="en-US" dirty="0"/>
           </a:p>
@@ -4486,7 +4486,7 @@
             <a:fld id="{B61BEF0D-F0BB-DE4B-95CE-6DB70DBA9567}" type="datetimeFigureOut">
               <a:rPr lang="en-US" dirty="0"/>
               <a:pPr/>
-              <a:t>4/2/2020</a:t>
+              <a:t>4/9/2020</a:t>
             </a:fld>
             <a:endParaRPr lang="en-US" dirty="0"/>
           </a:p>
@@ -4768,7 +4768,7 @@
             <a:fld id="{B61BEF0D-F0BB-DE4B-95CE-6DB70DBA9567}" type="datetimeFigureOut">
               <a:rPr lang="en-US" dirty="0"/>
               <a:pPr/>
-              <a:t>4/2/2020</a:t>
+              <a:t>4/9/2020</a:t>
             </a:fld>
             <a:endParaRPr lang="en-US" dirty="0"/>
           </a:p>
@@ -5089,7 +5089,7 @@
             <a:fld id="{B61BEF0D-F0BB-DE4B-95CE-6DB70DBA9567}" type="datetimeFigureOut">
               <a:rPr lang="en-US" dirty="0"/>
               <a:pPr/>
-              <a:t>4/2/2020</a:t>
+              <a:t>4/9/2020</a:t>
             </a:fld>
             <a:endParaRPr lang="en-US" dirty="0"/>
           </a:p>
@@ -5298,7 +5298,7 @@
             <a:fld id="{B61BEF0D-F0BB-DE4B-95CE-6DB70DBA9567}" type="datetimeFigureOut">
               <a:rPr lang="en-US" dirty="0"/>
               <a:pPr/>
-              <a:t>4/2/2020</a:t>
+              <a:t>4/9/2020</a:t>
             </a:fld>
             <a:endParaRPr lang="en-US" dirty="0"/>
           </a:p>
@@ -9003,13 +9003,13 @@
         </p:nvSpPr>
         <p:spPr>
           <a:xfrm>
-            <a:off x="685801" y="1799113"/>
-            <a:ext cx="10750137" cy="1479662"/>
+            <a:off x="685801" y="1799112"/>
+            <a:ext cx="10750137" cy="2144969"/>
           </a:xfrm>
         </p:spPr>
         <p:txBody>
           <a:bodyPr>
-            <a:normAutofit fontScale="92500" lnSpcReduction="20000"/>
+            <a:normAutofit fontScale="92500" lnSpcReduction="10000"/>
           </a:bodyPr>
           <a:lstStyle/>
           <a:p>
@@ -9060,6 +9060,20 @@
             <a:r>
               <a:rPr lang="en-US" dirty="0"/>
               <a:t> in one of several other languages.  We will use make for this course.</a:t>
+            </a:r>
+          </a:p>
+          <a:p>
+            <a:r>
+              <a:rPr lang="en-US" dirty="0"/>
+              <a:t>These </a:t>
+            </a:r>
+            <a:r>
+              <a:rPr lang="en-US" dirty="0" err="1"/>
+              <a:t>buildfiles</a:t>
+            </a:r>
+            <a:r>
+              <a:rPr lang="en-US" dirty="0"/>
+              <a:t> then take care of building the actual code.</a:t>
             </a:r>
           </a:p>
         </p:txBody>
@@ -9078,7 +9092,7 @@
         </p:nvSpPr>
         <p:spPr>
           <a:xfrm>
-            <a:off x="3988132" y="4252553"/>
+            <a:off x="4159126" y="4829202"/>
             <a:ext cx="1262745" cy="879565"/>
           </a:xfrm>
           <a:prstGeom prst="snip2SameRect">
@@ -9141,7 +9155,7 @@
         </p:nvSpPr>
         <p:spPr>
           <a:xfrm>
-            <a:off x="492430" y="3807228"/>
+            <a:off x="663424" y="4383877"/>
             <a:ext cx="2821578" cy="740229"/>
           </a:xfrm>
           <a:prstGeom prst="ellipse">
@@ -9217,7 +9231,7 @@
         </p:nvCxnSpPr>
         <p:spPr>
           <a:xfrm>
-            <a:off x="3314008" y="4177343"/>
+            <a:off x="3485002" y="4753992"/>
             <a:ext cx="674124" cy="514993"/>
           </a:xfrm>
           <a:prstGeom prst="straightConnector1">
@@ -9262,7 +9276,7 @@
         </p:nvSpPr>
         <p:spPr>
           <a:xfrm>
-            <a:off x="6054442" y="4322220"/>
+            <a:off x="6225436" y="4898869"/>
             <a:ext cx="2525480" cy="740229"/>
           </a:xfrm>
           <a:prstGeom prst="ellipse">
@@ -9343,7 +9357,7 @@
         </p:nvCxnSpPr>
         <p:spPr>
           <a:xfrm flipV="1">
-            <a:off x="5250877" y="4692335"/>
+            <a:off x="5421871" y="5268984"/>
             <a:ext cx="803565" cy="1"/>
           </a:xfrm>
           <a:prstGeom prst="straightConnector1">
@@ -9388,7 +9402,7 @@
         </p:nvSpPr>
         <p:spPr>
           <a:xfrm>
-            <a:off x="492430" y="5220787"/>
+            <a:off x="663424" y="5797436"/>
             <a:ext cx="2821578" cy="740229"/>
           </a:xfrm>
           <a:prstGeom prst="ellipse">
@@ -9452,7 +9466,7 @@
         </p:nvCxnSpPr>
         <p:spPr>
           <a:xfrm>
-            <a:off x="1903219" y="4547457"/>
+            <a:off x="2074213" y="5124106"/>
             <a:ext cx="0" cy="673330"/>
           </a:xfrm>
           <a:prstGeom prst="straightConnector1">
@@ -9491,7 +9505,7 @@
         </p:nvSpPr>
         <p:spPr>
           <a:xfrm>
-            <a:off x="9383487" y="4252553"/>
+            <a:off x="9554481" y="4829202"/>
             <a:ext cx="1262745" cy="879565"/>
           </a:xfrm>
           <a:prstGeom prst="snip2SameRect">
@@ -9552,7 +9566,7 @@
         </p:nvCxnSpPr>
         <p:spPr>
           <a:xfrm>
-            <a:off x="8579922" y="4692335"/>
+            <a:off x="8750916" y="5268984"/>
             <a:ext cx="803565" cy="1"/>
           </a:xfrm>
           <a:prstGeom prst="straightConnector1">
@@ -12284,6 +12298,36 @@
           </a:p>
         </p:txBody>
       </p:sp>
+      <p:pic>
+        <p:nvPicPr>
+          <p:cNvPr id="4" name="Picture 3" descr="A close up of a sign&#10;&#10;Description automatically generated">
+            <a:extLst>
+              <a:ext uri="{FF2B5EF4-FFF2-40B4-BE49-F238E27FC236}">
+                <a16:creationId xmlns:a16="http://schemas.microsoft.com/office/drawing/2014/main" id="{39A53403-A129-4881-B4AD-8D1B2E3BF4BD}"/>
+              </a:ext>
+            </a:extLst>
+          </p:cNvPr>
+          <p:cNvPicPr>
+            <a:picLocks noChangeAspect="1"/>
+          </p:cNvPicPr>
+          <p:nvPr/>
+        </p:nvPicPr>
+        <p:blipFill>
+          <a:blip r:embed="rId2"/>
+          <a:stretch>
+            <a:fillRect/>
+          </a:stretch>
+        </p:blipFill>
+        <p:spPr>
+          <a:xfrm>
+            <a:off x="7926578" y="1425814"/>
+            <a:ext cx="2996045" cy="2996045"/>
+          </a:xfrm>
+          <a:prstGeom prst="rect">
+            <a:avLst/>
+          </a:prstGeom>
+        </p:spPr>
+      </p:pic>
     </p:spTree>
     <p:extLst>
       <p:ext uri="{BB962C8B-B14F-4D97-AF65-F5344CB8AC3E}">
